--- a/slide-deck/DecodingGxx.pptx
+++ b/slide-deck/DecodingGxx.pptx
@@ -6,13 +6,14 @@
   </p:sldMasterIdLst>
   <p:sldIdLst>
     <p:sldId id="256" r:id="rId2"/>
-    <p:sldId id="257" r:id="rId3"/>
-    <p:sldId id="258" r:id="rId4"/>
+    <p:sldId id="259" r:id="rId3"/>
+    <p:sldId id="257" r:id="rId4"/>
+    <p:sldId id="258" r:id="rId5"/>
   </p:sldIdLst>
   <p:sldSz cx="12192000" cy="6858000"/>
   <p:notesSz cx="6858000" cy="9144000"/>
   <p:custDataLst>
-    <p:tags r:id="rId5"/>
+    <p:tags r:id="rId6"/>
   </p:custDataLst>
   <p:defaultTextStyle>
     <a:defPPr>
@@ -117,6 +118,3453 @@
 </p:presentation>
 </file>
 
+<file path=ppt/diagrams/colors1.xml><?xml version="1.0" encoding="utf-8"?>
+<dgm:colorsDef xmlns:dgm="http://schemas.openxmlformats.org/drawingml/2006/diagram" xmlns:a="http://schemas.openxmlformats.org/drawingml/2006/main" uniqueId="urn:microsoft.com/office/officeart/2005/8/colors/accent1_2">
+  <dgm:title val=""/>
+  <dgm:desc val=""/>
+  <dgm:catLst>
+    <dgm:cat type="accent1" pri="11200"/>
+  </dgm:catLst>
+  <dgm:styleLbl name="node0">
+    <dgm:fillClrLst meth="repeat">
+      <a:schemeClr val="accent1"/>
+    </dgm:fillClrLst>
+    <dgm:linClrLst meth="repeat">
+      <a:schemeClr val="lt1"/>
+    </dgm:linClrLst>
+    <dgm:effectClrLst/>
+    <dgm:txLinClrLst/>
+    <dgm:txFillClrLst/>
+    <dgm:txEffectClrLst/>
+  </dgm:styleLbl>
+  <dgm:styleLbl name="alignNode1">
+    <dgm:fillClrLst meth="repeat">
+      <a:schemeClr val="accent1"/>
+    </dgm:fillClrLst>
+    <dgm:linClrLst meth="repeat">
+      <a:schemeClr val="accent1"/>
+    </dgm:linClrLst>
+    <dgm:effectClrLst/>
+    <dgm:txLinClrLst/>
+    <dgm:txFillClrLst/>
+    <dgm:txEffectClrLst/>
+  </dgm:styleLbl>
+  <dgm:styleLbl name="node1">
+    <dgm:fillClrLst meth="repeat">
+      <a:schemeClr val="accent1"/>
+    </dgm:fillClrLst>
+    <dgm:linClrLst meth="repeat">
+      <a:schemeClr val="lt1"/>
+    </dgm:linClrLst>
+    <dgm:effectClrLst/>
+    <dgm:txLinClrLst/>
+    <dgm:txFillClrLst/>
+    <dgm:txEffectClrLst/>
+  </dgm:styleLbl>
+  <dgm:styleLbl name="lnNode1">
+    <dgm:fillClrLst meth="repeat">
+      <a:schemeClr val="accent1"/>
+    </dgm:fillClrLst>
+    <dgm:linClrLst meth="repeat">
+      <a:schemeClr val="lt1"/>
+    </dgm:linClrLst>
+    <dgm:effectClrLst/>
+    <dgm:txLinClrLst/>
+    <dgm:txFillClrLst/>
+    <dgm:txEffectClrLst/>
+  </dgm:styleLbl>
+  <dgm:styleLbl name="vennNode1">
+    <dgm:fillClrLst meth="repeat">
+      <a:schemeClr val="accent1">
+        <a:alpha val="50000"/>
+      </a:schemeClr>
+    </dgm:fillClrLst>
+    <dgm:linClrLst meth="repeat">
+      <a:schemeClr val="lt1"/>
+    </dgm:linClrLst>
+    <dgm:effectClrLst/>
+    <dgm:txLinClrLst/>
+    <dgm:txFillClrLst/>
+    <dgm:txEffectClrLst/>
+  </dgm:styleLbl>
+  <dgm:styleLbl name="node2">
+    <dgm:fillClrLst meth="repeat">
+      <a:schemeClr val="accent1"/>
+    </dgm:fillClrLst>
+    <dgm:linClrLst meth="repeat">
+      <a:schemeClr val="lt1"/>
+    </dgm:linClrLst>
+    <dgm:effectClrLst/>
+    <dgm:txLinClrLst/>
+    <dgm:txFillClrLst/>
+    <dgm:txEffectClrLst/>
+  </dgm:styleLbl>
+  <dgm:styleLbl name="node3">
+    <dgm:fillClrLst meth="repeat">
+      <a:schemeClr val="accent1"/>
+    </dgm:fillClrLst>
+    <dgm:linClrLst meth="repeat">
+      <a:schemeClr val="lt1"/>
+    </dgm:linClrLst>
+    <dgm:effectClrLst/>
+    <dgm:txLinClrLst/>
+    <dgm:txFillClrLst/>
+    <dgm:txEffectClrLst/>
+  </dgm:styleLbl>
+  <dgm:styleLbl name="node4">
+    <dgm:fillClrLst meth="repeat">
+      <a:schemeClr val="accent1"/>
+    </dgm:fillClrLst>
+    <dgm:linClrLst meth="repeat">
+      <a:schemeClr val="lt1"/>
+    </dgm:linClrLst>
+    <dgm:effectClrLst/>
+    <dgm:txLinClrLst/>
+    <dgm:txFillClrLst/>
+    <dgm:txEffectClrLst/>
+  </dgm:styleLbl>
+  <dgm:styleLbl name="fgImgPlace1">
+    <dgm:fillClrLst meth="repeat">
+      <a:schemeClr val="accent1">
+        <a:tint val="50000"/>
+      </a:schemeClr>
+    </dgm:fillClrLst>
+    <dgm:linClrLst meth="repeat">
+      <a:schemeClr val="lt1"/>
+    </dgm:linClrLst>
+    <dgm:effectClrLst/>
+    <dgm:txLinClrLst/>
+    <dgm:txFillClrLst meth="repeat">
+      <a:schemeClr val="lt1"/>
+    </dgm:txFillClrLst>
+    <dgm:txEffectClrLst/>
+  </dgm:styleLbl>
+  <dgm:styleLbl name="alignImgPlace1">
+    <dgm:fillClrLst meth="repeat">
+      <a:schemeClr val="accent1">
+        <a:tint val="50000"/>
+      </a:schemeClr>
+    </dgm:fillClrLst>
+    <dgm:linClrLst meth="repeat">
+      <a:schemeClr val="lt1"/>
+    </dgm:linClrLst>
+    <dgm:effectClrLst/>
+    <dgm:txLinClrLst/>
+    <dgm:txFillClrLst meth="repeat">
+      <a:schemeClr val="lt1"/>
+    </dgm:txFillClrLst>
+    <dgm:txEffectClrLst/>
+  </dgm:styleLbl>
+  <dgm:styleLbl name="bgImgPlace1">
+    <dgm:fillClrLst meth="repeat">
+      <a:schemeClr val="accent1">
+        <a:tint val="50000"/>
+      </a:schemeClr>
+    </dgm:fillClrLst>
+    <dgm:linClrLst meth="repeat">
+      <a:schemeClr val="lt1"/>
+    </dgm:linClrLst>
+    <dgm:effectClrLst/>
+    <dgm:txLinClrLst/>
+    <dgm:txFillClrLst meth="repeat">
+      <a:schemeClr val="lt1"/>
+    </dgm:txFillClrLst>
+    <dgm:txEffectClrLst/>
+  </dgm:styleLbl>
+  <dgm:styleLbl name="sibTrans2D1">
+    <dgm:fillClrLst meth="repeat">
+      <a:schemeClr val="accent1">
+        <a:tint val="60000"/>
+      </a:schemeClr>
+    </dgm:fillClrLst>
+    <dgm:linClrLst meth="repeat">
+      <a:schemeClr val="accent1">
+        <a:tint val="60000"/>
+      </a:schemeClr>
+    </dgm:linClrLst>
+    <dgm:effectClrLst/>
+    <dgm:txLinClrLst/>
+    <dgm:txFillClrLst/>
+    <dgm:txEffectClrLst/>
+  </dgm:styleLbl>
+  <dgm:styleLbl name="fgSibTrans2D1">
+    <dgm:fillClrLst meth="repeat">
+      <a:schemeClr val="accent1">
+        <a:tint val="60000"/>
+      </a:schemeClr>
+    </dgm:fillClrLst>
+    <dgm:linClrLst meth="repeat">
+      <a:schemeClr val="accent1">
+        <a:tint val="60000"/>
+      </a:schemeClr>
+    </dgm:linClrLst>
+    <dgm:effectClrLst/>
+    <dgm:txLinClrLst/>
+    <dgm:txFillClrLst/>
+    <dgm:txEffectClrLst/>
+  </dgm:styleLbl>
+  <dgm:styleLbl name="bgSibTrans2D1">
+    <dgm:fillClrLst meth="repeat">
+      <a:schemeClr val="accent1">
+        <a:tint val="60000"/>
+      </a:schemeClr>
+    </dgm:fillClrLst>
+    <dgm:linClrLst meth="repeat">
+      <a:schemeClr val="accent1">
+        <a:tint val="60000"/>
+      </a:schemeClr>
+    </dgm:linClrLst>
+    <dgm:effectClrLst/>
+    <dgm:txLinClrLst/>
+    <dgm:txFillClrLst/>
+    <dgm:txEffectClrLst/>
+  </dgm:styleLbl>
+  <dgm:styleLbl name="sibTrans1D1">
+    <dgm:fillClrLst meth="repeat">
+      <a:schemeClr val="accent1"/>
+    </dgm:fillClrLst>
+    <dgm:linClrLst meth="repeat">
+      <a:schemeClr val="accent1"/>
+    </dgm:linClrLst>
+    <dgm:effectClrLst/>
+    <dgm:txLinClrLst/>
+    <dgm:txFillClrLst meth="repeat">
+      <a:schemeClr val="tx1"/>
+    </dgm:txFillClrLst>
+    <dgm:txEffectClrLst/>
+  </dgm:styleLbl>
+  <dgm:styleLbl name="callout">
+    <dgm:fillClrLst meth="repeat">
+      <a:schemeClr val="accent1"/>
+    </dgm:fillClrLst>
+    <dgm:linClrLst meth="repeat">
+      <a:schemeClr val="accent1">
+        <a:tint val="50000"/>
+      </a:schemeClr>
+    </dgm:linClrLst>
+    <dgm:effectClrLst/>
+    <dgm:txLinClrLst/>
+    <dgm:txFillClrLst meth="repeat">
+      <a:schemeClr val="tx1"/>
+    </dgm:txFillClrLst>
+    <dgm:txEffectClrLst/>
+  </dgm:styleLbl>
+  <dgm:styleLbl name="asst0">
+    <dgm:fillClrLst meth="repeat">
+      <a:schemeClr val="accent1"/>
+    </dgm:fillClrLst>
+    <dgm:linClrLst meth="repeat">
+      <a:schemeClr val="lt1"/>
+    </dgm:linClrLst>
+    <dgm:effectClrLst/>
+    <dgm:txLinClrLst/>
+    <dgm:txFillClrLst/>
+    <dgm:txEffectClrLst/>
+  </dgm:styleLbl>
+  <dgm:styleLbl name="asst1">
+    <dgm:fillClrLst meth="repeat">
+      <a:schemeClr val="accent1"/>
+    </dgm:fillClrLst>
+    <dgm:linClrLst meth="repeat">
+      <a:schemeClr val="lt1"/>
+    </dgm:linClrLst>
+    <dgm:effectClrLst/>
+    <dgm:txLinClrLst/>
+    <dgm:txFillClrLst/>
+    <dgm:txEffectClrLst/>
+  </dgm:styleLbl>
+  <dgm:styleLbl name="asst2">
+    <dgm:fillClrLst meth="repeat">
+      <a:schemeClr val="accent1"/>
+    </dgm:fillClrLst>
+    <dgm:linClrLst meth="repeat">
+      <a:schemeClr val="lt1"/>
+    </dgm:linClrLst>
+    <dgm:effectClrLst/>
+    <dgm:txLinClrLst/>
+    <dgm:txFillClrLst/>
+    <dgm:txEffectClrLst/>
+  </dgm:styleLbl>
+  <dgm:styleLbl name="asst3">
+    <dgm:fillClrLst meth="repeat">
+      <a:schemeClr val="accent1"/>
+    </dgm:fillClrLst>
+    <dgm:linClrLst meth="repeat">
+      <a:schemeClr val="lt1"/>
+    </dgm:linClrLst>
+    <dgm:effectClrLst/>
+    <dgm:txLinClrLst/>
+    <dgm:txFillClrLst/>
+    <dgm:txEffectClrLst/>
+  </dgm:styleLbl>
+  <dgm:styleLbl name="asst4">
+    <dgm:fillClrLst meth="repeat">
+      <a:schemeClr val="accent1"/>
+    </dgm:fillClrLst>
+    <dgm:linClrLst meth="repeat">
+      <a:schemeClr val="lt1"/>
+    </dgm:linClrLst>
+    <dgm:effectClrLst/>
+    <dgm:txLinClrLst/>
+    <dgm:txFillClrLst/>
+    <dgm:txEffectClrLst/>
+  </dgm:styleLbl>
+  <dgm:styleLbl name="parChTrans2D1">
+    <dgm:fillClrLst meth="repeat">
+      <a:schemeClr val="accent1">
+        <a:tint val="60000"/>
+      </a:schemeClr>
+    </dgm:fillClrLst>
+    <dgm:linClrLst meth="repeat">
+      <a:schemeClr val="accent1">
+        <a:tint val="60000"/>
+      </a:schemeClr>
+    </dgm:linClrLst>
+    <dgm:effectClrLst/>
+    <dgm:txLinClrLst/>
+    <dgm:txFillClrLst meth="repeat">
+      <a:schemeClr val="lt1"/>
+    </dgm:txFillClrLst>
+    <dgm:txEffectClrLst/>
+  </dgm:styleLbl>
+  <dgm:styleLbl name="parChTrans2D2">
+    <dgm:fillClrLst meth="repeat">
+      <a:schemeClr val="accent1"/>
+    </dgm:fillClrLst>
+    <dgm:linClrLst meth="repeat">
+      <a:schemeClr val="accent1"/>
+    </dgm:linClrLst>
+    <dgm:effectClrLst/>
+    <dgm:txLinClrLst/>
+    <dgm:txFillClrLst meth="repeat">
+      <a:schemeClr val="lt1"/>
+    </dgm:txFillClrLst>
+    <dgm:txEffectClrLst/>
+  </dgm:styleLbl>
+  <dgm:styleLbl name="parChTrans2D3">
+    <dgm:fillClrLst meth="repeat">
+      <a:schemeClr val="accent1"/>
+    </dgm:fillClrLst>
+    <dgm:linClrLst meth="repeat">
+      <a:schemeClr val="accent1"/>
+    </dgm:linClrLst>
+    <dgm:effectClrLst/>
+    <dgm:txLinClrLst/>
+    <dgm:txFillClrLst meth="repeat">
+      <a:schemeClr val="lt1"/>
+    </dgm:txFillClrLst>
+    <dgm:txEffectClrLst/>
+  </dgm:styleLbl>
+  <dgm:styleLbl name="parChTrans2D4">
+    <dgm:fillClrLst meth="repeat">
+      <a:schemeClr val="accent1"/>
+    </dgm:fillClrLst>
+    <dgm:linClrLst meth="repeat">
+      <a:schemeClr val="accent1"/>
+    </dgm:linClrLst>
+    <dgm:effectClrLst/>
+    <dgm:txLinClrLst/>
+    <dgm:txFillClrLst meth="repeat">
+      <a:schemeClr val="lt1"/>
+    </dgm:txFillClrLst>
+    <dgm:txEffectClrLst/>
+  </dgm:styleLbl>
+  <dgm:styleLbl name="parChTrans1D1">
+    <dgm:fillClrLst meth="repeat">
+      <a:schemeClr val="accent1"/>
+    </dgm:fillClrLst>
+    <dgm:linClrLst meth="repeat">
+      <a:schemeClr val="accent1">
+        <a:shade val="60000"/>
+      </a:schemeClr>
+    </dgm:linClrLst>
+    <dgm:effectClrLst/>
+    <dgm:txLinClrLst/>
+    <dgm:txFillClrLst meth="repeat">
+      <a:schemeClr val="tx1"/>
+    </dgm:txFillClrLst>
+    <dgm:txEffectClrLst/>
+  </dgm:styleLbl>
+  <dgm:styleLbl name="parChTrans1D2">
+    <dgm:fillClrLst meth="repeat">
+      <a:schemeClr val="accent1"/>
+    </dgm:fillClrLst>
+    <dgm:linClrLst meth="repeat">
+      <a:schemeClr val="accent1">
+        <a:shade val="60000"/>
+      </a:schemeClr>
+    </dgm:linClrLst>
+    <dgm:effectClrLst/>
+    <dgm:txLinClrLst/>
+    <dgm:txFillClrLst meth="repeat">
+      <a:schemeClr val="tx1"/>
+    </dgm:txFillClrLst>
+    <dgm:txEffectClrLst/>
+  </dgm:styleLbl>
+  <dgm:styleLbl name="parChTrans1D3">
+    <dgm:fillClrLst meth="repeat">
+      <a:schemeClr val="accent1"/>
+    </dgm:fillClrLst>
+    <dgm:linClrLst meth="repeat">
+      <a:schemeClr val="accent1">
+        <a:shade val="80000"/>
+      </a:schemeClr>
+    </dgm:linClrLst>
+    <dgm:effectClrLst/>
+    <dgm:txLinClrLst/>
+    <dgm:txFillClrLst meth="repeat">
+      <a:schemeClr val="tx1"/>
+    </dgm:txFillClrLst>
+    <dgm:txEffectClrLst/>
+  </dgm:styleLbl>
+  <dgm:styleLbl name="parChTrans1D4">
+    <dgm:fillClrLst meth="repeat">
+      <a:schemeClr val="accent1"/>
+    </dgm:fillClrLst>
+    <dgm:linClrLst meth="repeat">
+      <a:schemeClr val="accent1">
+        <a:shade val="80000"/>
+      </a:schemeClr>
+    </dgm:linClrLst>
+    <dgm:effectClrLst/>
+    <dgm:txLinClrLst/>
+    <dgm:txFillClrLst meth="repeat">
+      <a:schemeClr val="tx1"/>
+    </dgm:txFillClrLst>
+    <dgm:txEffectClrLst/>
+  </dgm:styleLbl>
+  <dgm:styleLbl name="fgAcc1">
+    <dgm:fillClrLst meth="repeat">
+      <a:schemeClr val="lt1">
+        <a:alpha val="90000"/>
+      </a:schemeClr>
+    </dgm:fillClrLst>
+    <dgm:linClrLst meth="repeat">
+      <a:schemeClr val="accent1"/>
+    </dgm:linClrLst>
+    <dgm:effectClrLst/>
+    <dgm:txLinClrLst/>
+    <dgm:txFillClrLst meth="repeat">
+      <a:schemeClr val="dk1"/>
+    </dgm:txFillClrLst>
+    <dgm:txEffectClrLst/>
+  </dgm:styleLbl>
+  <dgm:styleLbl name="conFgAcc1">
+    <dgm:fillClrLst meth="repeat">
+      <a:schemeClr val="lt1">
+        <a:alpha val="90000"/>
+      </a:schemeClr>
+    </dgm:fillClrLst>
+    <dgm:linClrLst meth="repeat">
+      <a:schemeClr val="accent1"/>
+    </dgm:linClrLst>
+    <dgm:effectClrLst/>
+    <dgm:txLinClrLst/>
+    <dgm:txFillClrLst meth="repeat">
+      <a:schemeClr val="dk1"/>
+    </dgm:txFillClrLst>
+    <dgm:txEffectClrLst/>
+  </dgm:styleLbl>
+  <dgm:styleLbl name="alignAcc1">
+    <dgm:fillClrLst meth="repeat">
+      <a:schemeClr val="lt1">
+        <a:alpha val="90000"/>
+      </a:schemeClr>
+    </dgm:fillClrLst>
+    <dgm:linClrLst meth="repeat">
+      <a:schemeClr val="accent1"/>
+    </dgm:linClrLst>
+    <dgm:effectClrLst/>
+    <dgm:txLinClrLst/>
+    <dgm:txFillClrLst meth="repeat">
+      <a:schemeClr val="dk1"/>
+    </dgm:txFillClrLst>
+    <dgm:txEffectClrLst/>
+  </dgm:styleLbl>
+  <dgm:styleLbl name="trAlignAcc1">
+    <dgm:fillClrLst meth="repeat">
+      <a:schemeClr val="lt1">
+        <a:alpha val="40000"/>
+      </a:schemeClr>
+    </dgm:fillClrLst>
+    <dgm:linClrLst meth="repeat">
+      <a:schemeClr val="accent1"/>
+    </dgm:linClrLst>
+    <dgm:effectClrLst/>
+    <dgm:txLinClrLst/>
+    <dgm:txFillClrLst meth="repeat">
+      <a:schemeClr val="dk1"/>
+    </dgm:txFillClrLst>
+    <dgm:txEffectClrLst/>
+  </dgm:styleLbl>
+  <dgm:styleLbl name="bgAcc1">
+    <dgm:fillClrLst meth="repeat">
+      <a:schemeClr val="lt1">
+        <a:alpha val="90000"/>
+      </a:schemeClr>
+    </dgm:fillClrLst>
+    <dgm:linClrLst meth="repeat">
+      <a:schemeClr val="accent1"/>
+    </dgm:linClrLst>
+    <dgm:effectClrLst/>
+    <dgm:txLinClrLst/>
+    <dgm:txFillClrLst meth="repeat">
+      <a:schemeClr val="dk1"/>
+    </dgm:txFillClrLst>
+    <dgm:txEffectClrLst/>
+  </dgm:styleLbl>
+  <dgm:styleLbl name="solidFgAcc1">
+    <dgm:fillClrLst meth="repeat">
+      <a:schemeClr val="lt1"/>
+    </dgm:fillClrLst>
+    <dgm:linClrLst meth="repeat">
+      <a:schemeClr val="accent1"/>
+    </dgm:linClrLst>
+    <dgm:effectClrLst/>
+    <dgm:txLinClrLst/>
+    <dgm:txFillClrLst meth="repeat">
+      <a:schemeClr val="dk1"/>
+    </dgm:txFillClrLst>
+    <dgm:txEffectClrLst/>
+  </dgm:styleLbl>
+  <dgm:styleLbl name="solidAlignAcc1">
+    <dgm:fillClrLst meth="repeat">
+      <a:schemeClr val="lt1"/>
+    </dgm:fillClrLst>
+    <dgm:linClrLst meth="repeat">
+      <a:schemeClr val="accent1"/>
+    </dgm:linClrLst>
+    <dgm:effectClrLst/>
+    <dgm:txLinClrLst/>
+    <dgm:txFillClrLst meth="repeat">
+      <a:schemeClr val="dk1"/>
+    </dgm:txFillClrLst>
+    <dgm:txEffectClrLst/>
+  </dgm:styleLbl>
+  <dgm:styleLbl name="solidBgAcc1">
+    <dgm:fillClrLst meth="repeat">
+      <a:schemeClr val="lt1"/>
+    </dgm:fillClrLst>
+    <dgm:linClrLst meth="repeat">
+      <a:schemeClr val="accent1"/>
+    </dgm:linClrLst>
+    <dgm:effectClrLst/>
+    <dgm:txLinClrLst/>
+    <dgm:txFillClrLst meth="repeat">
+      <a:schemeClr val="dk1"/>
+    </dgm:txFillClrLst>
+    <dgm:txEffectClrLst/>
+  </dgm:styleLbl>
+  <dgm:styleLbl name="fgAccFollowNode1">
+    <dgm:fillClrLst meth="repeat">
+      <a:schemeClr val="accent1">
+        <a:alpha val="90000"/>
+        <a:tint val="40000"/>
+      </a:schemeClr>
+    </dgm:fillClrLst>
+    <dgm:linClrLst meth="repeat">
+      <a:schemeClr val="accent1">
+        <a:alpha val="90000"/>
+        <a:tint val="40000"/>
+      </a:schemeClr>
+    </dgm:linClrLst>
+    <dgm:effectClrLst/>
+    <dgm:txLinClrLst/>
+    <dgm:txFillClrLst meth="repeat">
+      <a:schemeClr val="dk1"/>
+    </dgm:txFillClrLst>
+    <dgm:txEffectClrLst/>
+  </dgm:styleLbl>
+  <dgm:styleLbl name="alignAccFollowNode1">
+    <dgm:fillClrLst meth="repeat">
+      <a:schemeClr val="accent1">
+        <a:alpha val="90000"/>
+        <a:tint val="40000"/>
+      </a:schemeClr>
+    </dgm:fillClrLst>
+    <dgm:linClrLst meth="repeat">
+      <a:schemeClr val="accent1">
+        <a:alpha val="90000"/>
+        <a:tint val="40000"/>
+      </a:schemeClr>
+    </dgm:linClrLst>
+    <dgm:effectClrLst/>
+    <dgm:txLinClrLst/>
+    <dgm:txFillClrLst meth="repeat">
+      <a:schemeClr val="dk1"/>
+    </dgm:txFillClrLst>
+    <dgm:txEffectClrLst/>
+  </dgm:styleLbl>
+  <dgm:styleLbl name="bgAccFollowNode1">
+    <dgm:fillClrLst meth="repeat">
+      <a:schemeClr val="accent1">
+        <a:alpha val="90000"/>
+        <a:tint val="40000"/>
+      </a:schemeClr>
+    </dgm:fillClrLst>
+    <dgm:linClrLst meth="repeat">
+      <a:schemeClr val="accent1">
+        <a:alpha val="90000"/>
+        <a:tint val="40000"/>
+      </a:schemeClr>
+    </dgm:linClrLst>
+    <dgm:effectClrLst/>
+    <dgm:txLinClrLst/>
+    <dgm:txFillClrLst meth="repeat">
+      <a:schemeClr val="dk1"/>
+    </dgm:txFillClrLst>
+    <dgm:txEffectClrLst/>
+  </dgm:styleLbl>
+  <dgm:styleLbl name="fgAcc0">
+    <dgm:fillClrLst meth="repeat">
+      <a:schemeClr val="lt1">
+        <a:alpha val="90000"/>
+      </a:schemeClr>
+    </dgm:fillClrLst>
+    <dgm:linClrLst meth="repeat">
+      <a:schemeClr val="accent1"/>
+    </dgm:linClrLst>
+    <dgm:effectClrLst/>
+    <dgm:txLinClrLst/>
+    <dgm:txFillClrLst meth="repeat">
+      <a:schemeClr val="dk1"/>
+    </dgm:txFillClrLst>
+    <dgm:txEffectClrLst/>
+  </dgm:styleLbl>
+  <dgm:styleLbl name="fgAcc2">
+    <dgm:fillClrLst meth="repeat">
+      <a:schemeClr val="lt1">
+        <a:alpha val="90000"/>
+      </a:schemeClr>
+    </dgm:fillClrLst>
+    <dgm:linClrLst meth="repeat">
+      <a:schemeClr val="accent1"/>
+    </dgm:linClrLst>
+    <dgm:effectClrLst/>
+    <dgm:txLinClrLst/>
+    <dgm:txFillClrLst meth="repeat">
+      <a:schemeClr val="dk1"/>
+    </dgm:txFillClrLst>
+    <dgm:txEffectClrLst/>
+  </dgm:styleLbl>
+  <dgm:styleLbl name="fgAcc3">
+    <dgm:fillClrLst meth="repeat">
+      <a:schemeClr val="lt1">
+        <a:alpha val="90000"/>
+      </a:schemeClr>
+    </dgm:fillClrLst>
+    <dgm:linClrLst meth="repeat">
+      <a:schemeClr val="accent1"/>
+    </dgm:linClrLst>
+    <dgm:effectClrLst/>
+    <dgm:txLinClrLst/>
+    <dgm:txFillClrLst meth="repeat">
+      <a:schemeClr val="dk1"/>
+    </dgm:txFillClrLst>
+    <dgm:txEffectClrLst/>
+  </dgm:styleLbl>
+  <dgm:styleLbl name="fgAcc4">
+    <dgm:fillClrLst meth="repeat">
+      <a:schemeClr val="lt1">
+        <a:alpha val="90000"/>
+      </a:schemeClr>
+    </dgm:fillClrLst>
+    <dgm:linClrLst meth="repeat">
+      <a:schemeClr val="accent1"/>
+    </dgm:linClrLst>
+    <dgm:effectClrLst/>
+    <dgm:txLinClrLst/>
+    <dgm:txFillClrLst meth="repeat">
+      <a:schemeClr val="dk1"/>
+    </dgm:txFillClrLst>
+    <dgm:txEffectClrLst/>
+  </dgm:styleLbl>
+  <dgm:styleLbl name="bgShp">
+    <dgm:fillClrLst meth="repeat">
+      <a:schemeClr val="accent1">
+        <a:tint val="40000"/>
+      </a:schemeClr>
+    </dgm:fillClrLst>
+    <dgm:linClrLst meth="repeat">
+      <a:schemeClr val="accent1"/>
+    </dgm:linClrLst>
+    <dgm:effectClrLst/>
+    <dgm:txLinClrLst/>
+    <dgm:txFillClrLst meth="repeat">
+      <a:schemeClr val="dk1"/>
+    </dgm:txFillClrLst>
+    <dgm:txEffectClrLst/>
+  </dgm:styleLbl>
+  <dgm:styleLbl name="dkBgShp">
+    <dgm:fillClrLst meth="repeat">
+      <a:schemeClr val="accent1">
+        <a:shade val="80000"/>
+      </a:schemeClr>
+    </dgm:fillClrLst>
+    <dgm:linClrLst meth="repeat">
+      <a:schemeClr val="accent1"/>
+    </dgm:linClrLst>
+    <dgm:effectClrLst/>
+    <dgm:txLinClrLst/>
+    <dgm:txFillClrLst meth="repeat">
+      <a:schemeClr val="lt1"/>
+    </dgm:txFillClrLst>
+    <dgm:txEffectClrLst/>
+  </dgm:styleLbl>
+  <dgm:styleLbl name="trBgShp">
+    <dgm:fillClrLst meth="repeat">
+      <a:schemeClr val="accent1">
+        <a:tint val="50000"/>
+        <a:alpha val="40000"/>
+      </a:schemeClr>
+    </dgm:fillClrLst>
+    <dgm:linClrLst meth="repeat">
+      <a:schemeClr val="accent1"/>
+    </dgm:linClrLst>
+    <dgm:effectClrLst/>
+    <dgm:txLinClrLst/>
+    <dgm:txFillClrLst meth="repeat">
+      <a:schemeClr val="lt1"/>
+    </dgm:txFillClrLst>
+    <dgm:txEffectClrLst/>
+  </dgm:styleLbl>
+  <dgm:styleLbl name="fgShp">
+    <dgm:fillClrLst meth="repeat">
+      <a:schemeClr val="accent1">
+        <a:tint val="60000"/>
+      </a:schemeClr>
+    </dgm:fillClrLst>
+    <dgm:linClrLst meth="repeat">
+      <a:schemeClr val="lt1"/>
+    </dgm:linClrLst>
+    <dgm:effectClrLst/>
+    <dgm:txLinClrLst/>
+    <dgm:txFillClrLst meth="repeat">
+      <a:schemeClr val="dk1"/>
+    </dgm:txFillClrLst>
+    <dgm:txEffectClrLst/>
+  </dgm:styleLbl>
+  <dgm:styleLbl name="revTx">
+    <dgm:fillClrLst meth="repeat">
+      <a:schemeClr val="lt1">
+        <a:alpha val="0"/>
+      </a:schemeClr>
+    </dgm:fillClrLst>
+    <dgm:linClrLst meth="repeat">
+      <a:schemeClr val="dk1">
+        <a:alpha val="0"/>
+      </a:schemeClr>
+    </dgm:linClrLst>
+    <dgm:effectClrLst/>
+    <dgm:txLinClrLst/>
+    <dgm:txFillClrLst meth="repeat">
+      <a:schemeClr val="tx1"/>
+    </dgm:txFillClrLst>
+    <dgm:txEffectClrLst/>
+  </dgm:styleLbl>
+</dgm:colorsDef>
+</file>
+
+<file path=ppt/diagrams/data1.xml><?xml version="1.0" encoding="utf-8"?>
+<dgm:dataModel xmlns:dgm="http://schemas.openxmlformats.org/drawingml/2006/diagram" xmlns:a="http://schemas.openxmlformats.org/drawingml/2006/main">
+  <dgm:ptLst>
+    <dgm:pt modelId="{F9FC1497-95BF-4040-A6C5-6B25C5963AA6}" type="doc">
+      <dgm:prSet loTypeId="urn:microsoft.com/office/officeart/2011/layout/TabList" loCatId="list" qsTypeId="urn:microsoft.com/office/officeart/2005/8/quickstyle/simple1" qsCatId="simple" csTypeId="urn:microsoft.com/office/officeart/2005/8/colors/accent1_2" csCatId="accent1" phldr="1"/>
+      <dgm:spPr/>
+      <dgm:t>
+        <a:bodyPr/>
+        <a:lstStyle/>
+        <a:p>
+          <a:endParaRPr lang="en-US"/>
+        </a:p>
+      </dgm:t>
+    </dgm:pt>
+    <dgm:pt modelId="{2863BF80-65B6-4A73-9EE5-BEBCC72D932E}">
+      <dgm:prSet phldrT="[Text]"/>
+      <dgm:spPr/>
+      <dgm:t>
+        <a:bodyPr/>
+        <a:lstStyle/>
+        <a:p>
+          <a:r>
+            <a:rPr lang="en-US" dirty="0" smtClean="0"/>
+            <a:t>GNU</a:t>
+          </a:r>
+          <a:endParaRPr lang="en-US" dirty="0"/>
+        </a:p>
+      </dgm:t>
+    </dgm:pt>
+    <dgm:pt modelId="{31A95168-8C97-4BCF-BD31-0E082C446045}" type="parTrans" cxnId="{EC4FCA0B-25E6-4ECA-AC4F-BEDA03AE91F7}">
+      <dgm:prSet/>
+      <dgm:spPr/>
+      <dgm:t>
+        <a:bodyPr/>
+        <a:lstStyle/>
+        <a:p>
+          <a:endParaRPr lang="en-US"/>
+        </a:p>
+      </dgm:t>
+    </dgm:pt>
+    <dgm:pt modelId="{5C0891D3-116A-45E0-9111-20B6F9089694}" type="sibTrans" cxnId="{EC4FCA0B-25E6-4ECA-AC4F-BEDA03AE91F7}">
+      <dgm:prSet/>
+      <dgm:spPr/>
+      <dgm:t>
+        <a:bodyPr/>
+        <a:lstStyle/>
+        <a:p>
+          <a:endParaRPr lang="en-US"/>
+        </a:p>
+      </dgm:t>
+    </dgm:pt>
+    <dgm:pt modelId="{3562F762-6184-48E4-B12B-AAAC83BD436B}">
+      <dgm:prSet phldrT="[Text]"/>
+      <dgm:spPr/>
+      <dgm:t>
+        <a:bodyPr/>
+        <a:lstStyle/>
+        <a:p>
+          <a:r>
+            <a:rPr lang="en-US" dirty="0" smtClean="0"/>
+            <a:t>22</a:t>
+          </a:r>
+          <a:r>
+            <a:rPr lang="en-US" baseline="30000" dirty="0" smtClean="0"/>
+            <a:t>nd</a:t>
+          </a:r>
+          <a:r>
+            <a:rPr lang="en-US" dirty="0" smtClean="0"/>
+            <a:t> March, 1987 </a:t>
+          </a:r>
+          <a:r>
+            <a:rPr lang="en-US" dirty="0" smtClean="0">
+              <a:sym typeface="Wingdings" panose="05000000000000000000" pitchFamily="2" charset="2"/>
+            </a:rPr>
+            <a:t> First </a:t>
+          </a:r>
+          <a:r>
+            <a:rPr lang="en-US" i="1" dirty="0" smtClean="0">
+              <a:sym typeface="Wingdings" panose="05000000000000000000" pitchFamily="2" charset="2"/>
+            </a:rPr>
+            <a:t>beta</a:t>
+          </a:r>
+          <a:r>
+            <a:rPr lang="en-US" i="0" dirty="0" smtClean="0">
+              <a:sym typeface="Wingdings" panose="05000000000000000000" pitchFamily="2" charset="2"/>
+            </a:rPr>
+            <a:t> release of the </a:t>
+          </a:r>
+          <a:r>
+            <a:rPr lang="en-US" b="1" i="0" dirty="0" smtClean="0">
+              <a:sym typeface="Wingdings" panose="05000000000000000000" pitchFamily="2" charset="2"/>
+            </a:rPr>
+            <a:t>GNU C Compiler (GCC)</a:t>
+          </a:r>
+          <a:endParaRPr lang="en-US" dirty="0"/>
+        </a:p>
+      </dgm:t>
+    </dgm:pt>
+    <dgm:pt modelId="{B6C2A455-9D2D-471A-A83C-4DC425E6603B}" type="parTrans" cxnId="{CAB3C95C-09DF-4F4F-9CB9-44DEC8BCF828}">
+      <dgm:prSet/>
+      <dgm:spPr/>
+      <dgm:t>
+        <a:bodyPr/>
+        <a:lstStyle/>
+        <a:p>
+          <a:endParaRPr lang="en-US"/>
+        </a:p>
+      </dgm:t>
+    </dgm:pt>
+    <dgm:pt modelId="{1A32748F-7AB2-4B68-809B-9DC97AA2A5FE}" type="sibTrans" cxnId="{CAB3C95C-09DF-4F4F-9CB9-44DEC8BCF828}">
+      <dgm:prSet/>
+      <dgm:spPr/>
+      <dgm:t>
+        <a:bodyPr/>
+        <a:lstStyle/>
+        <a:p>
+          <a:endParaRPr lang="en-US"/>
+        </a:p>
+      </dgm:t>
+    </dgm:pt>
+    <dgm:pt modelId="{63B94394-9F54-4C64-BD7D-4199B45830EC}">
+      <dgm:prSet phldrT="[Text]"/>
+      <dgm:spPr/>
+      <dgm:t>
+        <a:bodyPr/>
+        <a:lstStyle/>
+        <a:p>
+          <a:r>
+            <a:rPr lang="en-US" dirty="0" smtClean="0"/>
+            <a:t>Started by Richard Stallman (RMS) in 1983</a:t>
+          </a:r>
+          <a:endParaRPr lang="en-US" dirty="0"/>
+        </a:p>
+      </dgm:t>
+    </dgm:pt>
+    <dgm:pt modelId="{4118D093-41EE-4627-92EC-63F1FEB1FF4D}" type="parTrans" cxnId="{55E397CE-4619-41DE-BE2E-287D777BF520}">
+      <dgm:prSet/>
+      <dgm:spPr/>
+      <dgm:t>
+        <a:bodyPr/>
+        <a:lstStyle/>
+        <a:p>
+          <a:endParaRPr lang="en-US"/>
+        </a:p>
+      </dgm:t>
+    </dgm:pt>
+    <dgm:pt modelId="{120653BF-F0CF-45FC-84AB-D4E1B2342A5E}" type="sibTrans" cxnId="{55E397CE-4619-41DE-BE2E-287D777BF520}">
+      <dgm:prSet/>
+      <dgm:spPr/>
+      <dgm:t>
+        <a:bodyPr/>
+        <a:lstStyle/>
+        <a:p>
+          <a:endParaRPr lang="en-US"/>
+        </a:p>
+      </dgm:t>
+    </dgm:pt>
+    <dgm:pt modelId="{F270C383-488D-4C98-A85E-7CA1271BA8FF}">
+      <dgm:prSet phldrT="[Text]"/>
+      <dgm:spPr/>
+      <dgm:t>
+        <a:bodyPr/>
+        <a:lstStyle/>
+        <a:p>
+          <a:r>
+            <a:rPr lang="en-US" dirty="0" smtClean="0"/>
+            <a:t>GCC</a:t>
+          </a:r>
+          <a:endParaRPr lang="en-US" dirty="0"/>
+        </a:p>
+      </dgm:t>
+    </dgm:pt>
+    <dgm:pt modelId="{EC5F63AA-CAD2-4DF0-B89B-C2FF7685464A}" type="parTrans" cxnId="{56ABF44D-6A3D-4A28-BE0E-F788078AB950}">
+      <dgm:prSet/>
+      <dgm:spPr/>
+      <dgm:t>
+        <a:bodyPr/>
+        <a:lstStyle/>
+        <a:p>
+          <a:endParaRPr lang="en-US"/>
+        </a:p>
+      </dgm:t>
+    </dgm:pt>
+    <dgm:pt modelId="{8BC2A061-10DE-4F5B-A2F9-BE31E3BB8A2A}" type="sibTrans" cxnId="{56ABF44D-6A3D-4A28-BE0E-F788078AB950}">
+      <dgm:prSet/>
+      <dgm:spPr/>
+      <dgm:t>
+        <a:bodyPr/>
+        <a:lstStyle/>
+        <a:p>
+          <a:endParaRPr lang="en-US"/>
+        </a:p>
+      </dgm:t>
+    </dgm:pt>
+    <dgm:pt modelId="{A4530C25-3DEE-4AA9-BE4A-0FA8E5EDAFE3}">
+      <dgm:prSet phldrT="[Text]"/>
+      <dgm:spPr/>
+      <dgm:t>
+        <a:bodyPr/>
+        <a:lstStyle/>
+        <a:p>
+          <a:endParaRPr lang="en-US" dirty="0"/>
+        </a:p>
+      </dgm:t>
+    </dgm:pt>
+    <dgm:pt modelId="{182B11F9-B85E-4B74-831D-DDECDE045785}" type="parTrans" cxnId="{1C839224-FA48-4904-A710-55A4AF89E4AA}">
+      <dgm:prSet/>
+      <dgm:spPr/>
+      <dgm:t>
+        <a:bodyPr/>
+        <a:lstStyle/>
+        <a:p>
+          <a:endParaRPr lang="en-US"/>
+        </a:p>
+      </dgm:t>
+    </dgm:pt>
+    <dgm:pt modelId="{800D7A79-AAE7-416C-92F0-762CF36F8126}" type="sibTrans" cxnId="{1C839224-FA48-4904-A710-55A4AF89E4AA}">
+      <dgm:prSet/>
+      <dgm:spPr/>
+      <dgm:t>
+        <a:bodyPr/>
+        <a:lstStyle/>
+        <a:p>
+          <a:endParaRPr lang="en-US"/>
+        </a:p>
+      </dgm:t>
+    </dgm:pt>
+    <dgm:pt modelId="{7E003A51-97D6-4E22-988D-5A6C3175468D}">
+      <dgm:prSet phldrT="[Text]"/>
+      <dgm:spPr/>
+      <dgm:t>
+        <a:bodyPr/>
+        <a:lstStyle/>
+        <a:p>
+          <a:r>
+            <a:rPr lang="en-US" dirty="0" smtClean="0"/>
+            <a:t>Motive to create a complete free operating system</a:t>
+          </a:r>
+          <a:endParaRPr lang="en-US" dirty="0"/>
+        </a:p>
+      </dgm:t>
+    </dgm:pt>
+    <dgm:pt modelId="{5252CADB-C877-40AD-AA1C-83FE8413A33C}" type="parTrans" cxnId="{25A78A36-810C-429D-83B3-B067D023A820}">
+      <dgm:prSet/>
+      <dgm:spPr/>
+      <dgm:t>
+        <a:bodyPr/>
+        <a:lstStyle/>
+        <a:p>
+          <a:endParaRPr lang="en-US"/>
+        </a:p>
+      </dgm:t>
+    </dgm:pt>
+    <dgm:pt modelId="{3309E3EF-0598-42BE-9F44-B27506971518}" type="sibTrans" cxnId="{25A78A36-810C-429D-83B3-B067D023A820}">
+      <dgm:prSet/>
+      <dgm:spPr/>
+      <dgm:t>
+        <a:bodyPr/>
+        <a:lstStyle/>
+        <a:p>
+          <a:endParaRPr lang="en-US"/>
+        </a:p>
+      </dgm:t>
+    </dgm:pt>
+    <dgm:pt modelId="{35600B54-133F-4D9D-A3A6-7937D861F4DE}">
+      <dgm:prSet phldrT="[Text]"/>
+      <dgm:spPr/>
+      <dgm:t>
+        <a:bodyPr/>
+        <a:lstStyle/>
+        <a:p>
+          <a:r>
+            <a:rPr lang="en-US" dirty="0" smtClean="0"/>
+            <a:t>Feb. 1986, TRIX developed at MIT, is GNU’s first kernel</a:t>
+          </a:r>
+          <a:endParaRPr lang="en-US" dirty="0"/>
+        </a:p>
+      </dgm:t>
+    </dgm:pt>
+    <dgm:pt modelId="{00E4809E-02AD-4C59-A68D-A1199F3A7E60}" type="parTrans" cxnId="{85C58EF0-0DA9-4D1F-AE17-02A4F3452A97}">
+      <dgm:prSet/>
+      <dgm:spPr/>
+      <dgm:t>
+        <a:bodyPr/>
+        <a:lstStyle/>
+        <a:p>
+          <a:endParaRPr lang="en-US"/>
+        </a:p>
+      </dgm:t>
+    </dgm:pt>
+    <dgm:pt modelId="{B89DD48F-35A9-4851-8397-0A2C23723CD4}" type="sibTrans" cxnId="{85C58EF0-0DA9-4D1F-AE17-02A4F3452A97}">
+      <dgm:prSet/>
+      <dgm:spPr/>
+      <dgm:t>
+        <a:bodyPr/>
+        <a:lstStyle/>
+        <a:p>
+          <a:endParaRPr lang="en-US"/>
+        </a:p>
+      </dgm:t>
+    </dgm:pt>
+    <dgm:pt modelId="{4AD4B4E2-BD85-4859-94D7-82150D9A30C0}">
+      <dgm:prSet phldrT="[Text]"/>
+      <dgm:spPr/>
+      <dgm:t>
+        <a:bodyPr/>
+        <a:lstStyle/>
+        <a:p>
+          <a:endParaRPr lang="en-US" dirty="0"/>
+        </a:p>
+      </dgm:t>
+    </dgm:pt>
+    <dgm:pt modelId="{EA520230-A403-4529-AF88-DFECCF9079EE}" type="parTrans" cxnId="{A88D32E2-004F-440F-A83D-17F1C89046BB}">
+      <dgm:prSet/>
+      <dgm:spPr/>
+      <dgm:t>
+        <a:bodyPr/>
+        <a:lstStyle/>
+        <a:p>
+          <a:endParaRPr lang="en-US"/>
+        </a:p>
+      </dgm:t>
+    </dgm:pt>
+    <dgm:pt modelId="{7EFC53CA-D3F8-4E83-A97D-9F843E868B9F}" type="sibTrans" cxnId="{A88D32E2-004F-440F-A83D-17F1C89046BB}">
+      <dgm:prSet/>
+      <dgm:spPr/>
+      <dgm:t>
+        <a:bodyPr/>
+        <a:lstStyle/>
+        <a:p>
+          <a:endParaRPr lang="en-US"/>
+        </a:p>
+      </dgm:t>
+    </dgm:pt>
+    <dgm:pt modelId="{82AE59B5-55A2-4543-970F-E7DD122CEDAA}">
+      <dgm:prSet phldrT="[Text]"/>
+      <dgm:spPr/>
+      <dgm:t>
+        <a:bodyPr/>
+        <a:lstStyle/>
+        <a:p>
+          <a:r>
+            <a:rPr lang="en-US" dirty="0" smtClean="0"/>
+            <a:t>Motive to create multi-language, multi-platform compiler</a:t>
+          </a:r>
+          <a:endParaRPr lang="en-US" dirty="0"/>
+        </a:p>
+      </dgm:t>
+    </dgm:pt>
+    <dgm:pt modelId="{37DBDCB0-42B1-41AD-92EA-FD58E65FEDAA}" type="parTrans" cxnId="{BF1C92A1-0327-417D-BFC0-EFB2473005F8}">
+      <dgm:prSet/>
+      <dgm:spPr/>
+      <dgm:t>
+        <a:bodyPr/>
+        <a:lstStyle/>
+        <a:p>
+          <a:endParaRPr lang="en-US"/>
+        </a:p>
+      </dgm:t>
+    </dgm:pt>
+    <dgm:pt modelId="{7A3EA214-4D6A-49EF-9DEA-4FA3DEE9B790}" type="sibTrans" cxnId="{BF1C92A1-0327-417D-BFC0-EFB2473005F8}">
+      <dgm:prSet/>
+      <dgm:spPr/>
+      <dgm:t>
+        <a:bodyPr/>
+        <a:lstStyle/>
+        <a:p>
+          <a:endParaRPr lang="en-US"/>
+        </a:p>
+      </dgm:t>
+    </dgm:pt>
+    <dgm:pt modelId="{46BD667E-13BD-480A-AED2-DB93A708CE46}">
+      <dgm:prSet phldrT="[Text]"/>
+      <dgm:spPr/>
+      <dgm:t>
+        <a:bodyPr/>
+        <a:lstStyle/>
+        <a:p>
+          <a:r>
+            <a:rPr lang="en-US" b="1" dirty="0" smtClean="0"/>
+            <a:t>Cygnus</a:t>
+          </a:r>
+          <a:r>
+            <a:rPr lang="en-US" dirty="0" smtClean="0"/>
+            <a:t> [gcc2] project - over 175 host/target combinations by 1999</a:t>
+          </a:r>
+          <a:endParaRPr lang="en-US" dirty="0"/>
+        </a:p>
+      </dgm:t>
+    </dgm:pt>
+    <dgm:pt modelId="{BBC0C1C9-E30C-4D0F-8EB0-05F0B1A25BF2}" type="parTrans" cxnId="{5ABDA32D-76B9-4345-825C-C14B6C5E288B}">
+      <dgm:prSet/>
+      <dgm:spPr/>
+      <dgm:t>
+        <a:bodyPr/>
+        <a:lstStyle/>
+        <a:p>
+          <a:endParaRPr lang="en-US"/>
+        </a:p>
+      </dgm:t>
+    </dgm:pt>
+    <dgm:pt modelId="{F952A237-D4F3-4AA0-921E-ACA4C5398AAD}" type="sibTrans" cxnId="{5ABDA32D-76B9-4345-825C-C14B6C5E288B}">
+      <dgm:prSet/>
+      <dgm:spPr/>
+      <dgm:t>
+        <a:bodyPr/>
+        <a:lstStyle/>
+        <a:p>
+          <a:endParaRPr lang="en-US"/>
+        </a:p>
+      </dgm:t>
+    </dgm:pt>
+    <dgm:pt modelId="{7CF55573-BBD3-49E8-92B8-3211C5608304}">
+      <dgm:prSet phldrT="[Text]"/>
+      <dgm:spPr/>
+      <dgm:t>
+        <a:bodyPr/>
+        <a:lstStyle/>
+        <a:p>
+          <a:r>
+            <a:rPr lang="en-US" b="1" dirty="0" smtClean="0"/>
+            <a:t>ECGS</a:t>
+          </a:r>
+          <a:r>
+            <a:rPr lang="en-US" dirty="0" smtClean="0"/>
+            <a:t> [‘eggs’ </a:t>
+          </a:r>
+          <a:r>
+            <a:rPr lang="en-US" dirty="0" smtClean="0">
+              <a:sym typeface="Wingdings" panose="05000000000000000000" pitchFamily="2" charset="2"/>
+            </a:rPr>
+            <a:t></a:t>
+          </a:r>
+          <a:r>
+            <a:rPr lang="en-US" dirty="0" smtClean="0"/>
+            <a:t>] project -  constitutes ports from multiple developers/hackers</a:t>
+          </a:r>
+          <a:endParaRPr lang="en-US" dirty="0"/>
+        </a:p>
+      </dgm:t>
+    </dgm:pt>
+    <dgm:pt modelId="{5C5C2477-03EC-406C-8BCD-D4BE35F3B077}" type="parTrans" cxnId="{3A878CBE-5FB1-4D25-9505-B0124578564F}">
+      <dgm:prSet/>
+      <dgm:spPr/>
+      <dgm:t>
+        <a:bodyPr/>
+        <a:lstStyle/>
+        <a:p>
+          <a:endParaRPr lang="en-US"/>
+        </a:p>
+      </dgm:t>
+    </dgm:pt>
+    <dgm:pt modelId="{96D2ED54-C5F7-413C-89E4-719638846FE5}" type="sibTrans" cxnId="{3A878CBE-5FB1-4D25-9505-B0124578564F}">
+      <dgm:prSet/>
+      <dgm:spPr/>
+      <dgm:t>
+        <a:bodyPr/>
+        <a:lstStyle/>
+        <a:p>
+          <a:endParaRPr lang="en-US"/>
+        </a:p>
+      </dgm:t>
+    </dgm:pt>
+    <dgm:pt modelId="{1D6EE1E3-78FF-49D4-9072-7740B332765C}">
+      <dgm:prSet phldrT="[Text]"/>
+      <dgm:spPr/>
+      <dgm:t>
+        <a:bodyPr/>
+        <a:lstStyle/>
+        <a:p>
+          <a:r>
+            <a:rPr lang="en-US" dirty="0" smtClean="0"/>
+            <a:t>In 1990, FSF started </a:t>
+          </a:r>
+          <a:r>
+            <a:rPr lang="en-US" b="1" dirty="0" smtClean="0"/>
+            <a:t>Hurd</a:t>
+          </a:r>
+          <a:r>
+            <a:rPr lang="en-US" b="0" dirty="0" smtClean="0"/>
+            <a:t> – GNU’s first official kernel (on Mach)</a:t>
+          </a:r>
+          <a:endParaRPr lang="en-US" dirty="0"/>
+        </a:p>
+      </dgm:t>
+    </dgm:pt>
+    <dgm:pt modelId="{071100E6-2D4C-4F65-9419-E4804A3C0419}" type="parTrans" cxnId="{F2A02BBA-2A4B-40E9-87A1-F1E2E3A7328A}">
+      <dgm:prSet/>
+      <dgm:spPr/>
+      <dgm:t>
+        <a:bodyPr/>
+        <a:lstStyle/>
+        <a:p>
+          <a:endParaRPr lang="en-US"/>
+        </a:p>
+      </dgm:t>
+    </dgm:pt>
+    <dgm:pt modelId="{EA7E0256-D71E-45FC-BF0F-72C91D01A401}" type="sibTrans" cxnId="{F2A02BBA-2A4B-40E9-87A1-F1E2E3A7328A}">
+      <dgm:prSet/>
+      <dgm:spPr/>
+      <dgm:t>
+        <a:bodyPr/>
+        <a:lstStyle/>
+        <a:p>
+          <a:endParaRPr lang="en-US"/>
+        </a:p>
+      </dgm:t>
+    </dgm:pt>
+    <dgm:pt modelId="{3243D54C-7348-4BB3-B1F1-0E4162F4408E}" type="pres">
+      <dgm:prSet presAssocID="{F9FC1497-95BF-4040-A6C5-6B25C5963AA6}" presName="Name0" presStyleCnt="0">
+        <dgm:presLayoutVars>
+          <dgm:chMax/>
+          <dgm:chPref val="3"/>
+          <dgm:dir/>
+          <dgm:animOne val="branch"/>
+          <dgm:animLvl val="lvl"/>
+        </dgm:presLayoutVars>
+      </dgm:prSet>
+      <dgm:spPr/>
+      <dgm:t>
+        <a:bodyPr/>
+        <a:lstStyle/>
+        <a:p>
+          <a:endParaRPr lang="en-US"/>
+        </a:p>
+      </dgm:t>
+    </dgm:pt>
+    <dgm:pt modelId="{8834A1DF-C4A4-463E-A5DE-C438D7B4B7BC}" type="pres">
+      <dgm:prSet presAssocID="{2863BF80-65B6-4A73-9EE5-BEBCC72D932E}" presName="composite" presStyleCnt="0"/>
+      <dgm:spPr/>
+    </dgm:pt>
+    <dgm:pt modelId="{7FC98262-FCDB-41EF-A73D-6D59399A826D}" type="pres">
+      <dgm:prSet presAssocID="{2863BF80-65B6-4A73-9EE5-BEBCC72D932E}" presName="FirstChild" presStyleLbl="revTx" presStyleIdx="0" presStyleCnt="4">
+        <dgm:presLayoutVars>
+          <dgm:chMax val="0"/>
+          <dgm:chPref val="0"/>
+          <dgm:bulletEnabled val="1"/>
+        </dgm:presLayoutVars>
+      </dgm:prSet>
+      <dgm:spPr/>
+      <dgm:t>
+        <a:bodyPr/>
+        <a:lstStyle/>
+        <a:p>
+          <a:endParaRPr lang="en-US"/>
+        </a:p>
+      </dgm:t>
+    </dgm:pt>
+    <dgm:pt modelId="{55BB1690-5E83-4E03-A9D3-954945DDF942}" type="pres">
+      <dgm:prSet presAssocID="{2863BF80-65B6-4A73-9EE5-BEBCC72D932E}" presName="Parent" presStyleLbl="alignNode1" presStyleIdx="0" presStyleCnt="2">
+        <dgm:presLayoutVars>
+          <dgm:chMax val="3"/>
+          <dgm:chPref val="3"/>
+          <dgm:bulletEnabled val="1"/>
+        </dgm:presLayoutVars>
+      </dgm:prSet>
+      <dgm:spPr/>
+      <dgm:t>
+        <a:bodyPr/>
+        <a:lstStyle/>
+        <a:p>
+          <a:endParaRPr lang="en-US"/>
+        </a:p>
+      </dgm:t>
+    </dgm:pt>
+    <dgm:pt modelId="{0E6495D8-81DE-47A3-8870-C4E9DEBE74C9}" type="pres">
+      <dgm:prSet presAssocID="{2863BF80-65B6-4A73-9EE5-BEBCC72D932E}" presName="Accent" presStyleLbl="parChTrans1D1" presStyleIdx="0" presStyleCnt="2"/>
+      <dgm:spPr/>
+    </dgm:pt>
+    <dgm:pt modelId="{43B2C0A2-B742-4BC6-AF1A-09CF7376FD19}" type="pres">
+      <dgm:prSet presAssocID="{2863BF80-65B6-4A73-9EE5-BEBCC72D932E}" presName="Child" presStyleLbl="revTx" presStyleIdx="1" presStyleCnt="4">
+        <dgm:presLayoutVars>
+          <dgm:chMax val="0"/>
+          <dgm:chPref val="0"/>
+          <dgm:bulletEnabled val="1"/>
+        </dgm:presLayoutVars>
+      </dgm:prSet>
+      <dgm:spPr/>
+      <dgm:t>
+        <a:bodyPr/>
+        <a:lstStyle/>
+        <a:p>
+          <a:endParaRPr lang="en-US"/>
+        </a:p>
+      </dgm:t>
+    </dgm:pt>
+    <dgm:pt modelId="{EA8A4384-9019-4C77-A95A-D0D9CE83DAD5}" type="pres">
+      <dgm:prSet presAssocID="{5C0891D3-116A-45E0-9111-20B6F9089694}" presName="sibTrans" presStyleCnt="0"/>
+      <dgm:spPr/>
+    </dgm:pt>
+    <dgm:pt modelId="{3920CEF6-A404-4A21-B91D-9AA92126C034}" type="pres">
+      <dgm:prSet presAssocID="{F270C383-488D-4C98-A85E-7CA1271BA8FF}" presName="composite" presStyleCnt="0"/>
+      <dgm:spPr/>
+    </dgm:pt>
+    <dgm:pt modelId="{847ACEB2-244E-4FEC-B6E3-9C07FAE3097F}" type="pres">
+      <dgm:prSet presAssocID="{F270C383-488D-4C98-A85E-7CA1271BA8FF}" presName="FirstChild" presStyleLbl="revTx" presStyleIdx="2" presStyleCnt="4">
+        <dgm:presLayoutVars>
+          <dgm:chMax val="0"/>
+          <dgm:chPref val="0"/>
+          <dgm:bulletEnabled val="1"/>
+        </dgm:presLayoutVars>
+      </dgm:prSet>
+      <dgm:spPr/>
+      <dgm:t>
+        <a:bodyPr/>
+        <a:lstStyle/>
+        <a:p>
+          <a:endParaRPr lang="en-US"/>
+        </a:p>
+      </dgm:t>
+    </dgm:pt>
+    <dgm:pt modelId="{68B99415-6031-494B-A132-A25520D68C00}" type="pres">
+      <dgm:prSet presAssocID="{F270C383-488D-4C98-A85E-7CA1271BA8FF}" presName="Parent" presStyleLbl="alignNode1" presStyleIdx="1" presStyleCnt="2">
+        <dgm:presLayoutVars>
+          <dgm:chMax val="3"/>
+          <dgm:chPref val="3"/>
+          <dgm:bulletEnabled val="1"/>
+        </dgm:presLayoutVars>
+      </dgm:prSet>
+      <dgm:spPr/>
+      <dgm:t>
+        <a:bodyPr/>
+        <a:lstStyle/>
+        <a:p>
+          <a:endParaRPr lang="en-US"/>
+        </a:p>
+      </dgm:t>
+    </dgm:pt>
+    <dgm:pt modelId="{87E3DACC-65DF-46A2-92B5-6C7EB27826AE}" type="pres">
+      <dgm:prSet presAssocID="{F270C383-488D-4C98-A85E-7CA1271BA8FF}" presName="Accent" presStyleLbl="parChTrans1D1" presStyleIdx="1" presStyleCnt="2"/>
+      <dgm:spPr/>
+    </dgm:pt>
+    <dgm:pt modelId="{052F950E-23D4-479F-A928-402476A2279D}" type="pres">
+      <dgm:prSet presAssocID="{F270C383-488D-4C98-A85E-7CA1271BA8FF}" presName="Child" presStyleLbl="revTx" presStyleIdx="3" presStyleCnt="4">
+        <dgm:presLayoutVars>
+          <dgm:chMax val="0"/>
+          <dgm:chPref val="0"/>
+          <dgm:bulletEnabled val="1"/>
+        </dgm:presLayoutVars>
+      </dgm:prSet>
+      <dgm:spPr/>
+      <dgm:t>
+        <a:bodyPr/>
+        <a:lstStyle/>
+        <a:p>
+          <a:endParaRPr lang="en-US"/>
+        </a:p>
+      </dgm:t>
+    </dgm:pt>
+  </dgm:ptLst>
+  <dgm:cxnLst>
+    <dgm:cxn modelId="{BF1C92A1-0327-417D-BFC0-EFB2473005F8}" srcId="{F270C383-488D-4C98-A85E-7CA1271BA8FF}" destId="{82AE59B5-55A2-4543-970F-E7DD122CEDAA}" srcOrd="2" destOrd="0" parTransId="{37DBDCB0-42B1-41AD-92EA-FD58E65FEDAA}" sibTransId="{7A3EA214-4D6A-49EF-9DEA-4FA3DEE9B790}"/>
+    <dgm:cxn modelId="{1C839224-FA48-4904-A710-55A4AF89E4AA}" srcId="{F270C383-488D-4C98-A85E-7CA1271BA8FF}" destId="{A4530C25-3DEE-4AA9-BE4A-0FA8E5EDAFE3}" srcOrd="0" destOrd="0" parTransId="{182B11F9-B85E-4B74-831D-DDECDE045785}" sibTransId="{800D7A79-AAE7-416C-92F0-762CF36F8126}"/>
+    <dgm:cxn modelId="{5EE56529-C25E-4448-A70C-3064DA2BBAF1}" type="presOf" srcId="{A4530C25-3DEE-4AA9-BE4A-0FA8E5EDAFE3}" destId="{847ACEB2-244E-4FEC-B6E3-9C07FAE3097F}" srcOrd="0" destOrd="0" presId="urn:microsoft.com/office/officeart/2011/layout/TabList"/>
+    <dgm:cxn modelId="{55E397CE-4619-41DE-BE2E-287D777BF520}" srcId="{2863BF80-65B6-4A73-9EE5-BEBCC72D932E}" destId="{63B94394-9F54-4C64-BD7D-4199B45830EC}" srcOrd="1" destOrd="0" parTransId="{4118D093-41EE-4627-92EC-63F1FEB1FF4D}" sibTransId="{120653BF-F0CF-45FC-84AB-D4E1B2342A5E}"/>
+    <dgm:cxn modelId="{DD0A02E9-36F9-4680-8B66-DD8257CA298B}" type="presOf" srcId="{63B94394-9F54-4C64-BD7D-4199B45830EC}" destId="{43B2C0A2-B742-4BC6-AF1A-09CF7376FD19}" srcOrd="0" destOrd="0" presId="urn:microsoft.com/office/officeart/2011/layout/TabList"/>
+    <dgm:cxn modelId="{98E0F658-C859-464C-ADA7-5F82DC3679A3}" type="presOf" srcId="{7CF55573-BBD3-49E8-92B8-3211C5608304}" destId="{052F950E-23D4-479F-A928-402476A2279D}" srcOrd="0" destOrd="3" presId="urn:microsoft.com/office/officeart/2011/layout/TabList"/>
+    <dgm:cxn modelId="{F2A02BBA-2A4B-40E9-87A1-F1E2E3A7328A}" srcId="{2863BF80-65B6-4A73-9EE5-BEBCC72D932E}" destId="{1D6EE1E3-78FF-49D4-9072-7740B332765C}" srcOrd="4" destOrd="0" parTransId="{071100E6-2D4C-4F65-9419-E4804A3C0419}" sibTransId="{EA7E0256-D71E-45FC-BF0F-72C91D01A401}"/>
+    <dgm:cxn modelId="{6152FE93-1F75-4023-BD3B-DE525D20D34F}" type="presOf" srcId="{35600B54-133F-4D9D-A3A6-7937D861F4DE}" destId="{43B2C0A2-B742-4BC6-AF1A-09CF7376FD19}" srcOrd="0" destOrd="2" presId="urn:microsoft.com/office/officeart/2011/layout/TabList"/>
+    <dgm:cxn modelId="{176275FC-75B6-4863-A921-9F70FE3553D5}" type="presOf" srcId="{46BD667E-13BD-480A-AED2-DB93A708CE46}" destId="{052F950E-23D4-479F-A928-402476A2279D}" srcOrd="0" destOrd="2" presId="urn:microsoft.com/office/officeart/2011/layout/TabList"/>
+    <dgm:cxn modelId="{EC4FCA0B-25E6-4ECA-AC4F-BEDA03AE91F7}" srcId="{F9FC1497-95BF-4040-A6C5-6B25C5963AA6}" destId="{2863BF80-65B6-4A73-9EE5-BEBCC72D932E}" srcOrd="0" destOrd="0" parTransId="{31A95168-8C97-4BCF-BD31-0E082C446045}" sibTransId="{5C0891D3-116A-45E0-9111-20B6F9089694}"/>
+    <dgm:cxn modelId="{5ABDA32D-76B9-4345-825C-C14B6C5E288B}" srcId="{F270C383-488D-4C98-A85E-7CA1271BA8FF}" destId="{46BD667E-13BD-480A-AED2-DB93A708CE46}" srcOrd="3" destOrd="0" parTransId="{BBC0C1C9-E30C-4D0F-8EB0-05F0B1A25BF2}" sibTransId="{F952A237-D4F3-4AA0-921E-ACA4C5398AAD}"/>
+    <dgm:cxn modelId="{56ABF44D-6A3D-4A28-BE0E-F788078AB950}" srcId="{F9FC1497-95BF-4040-A6C5-6B25C5963AA6}" destId="{F270C383-488D-4C98-A85E-7CA1271BA8FF}" srcOrd="1" destOrd="0" parTransId="{EC5F63AA-CAD2-4DF0-B89B-C2FF7685464A}" sibTransId="{8BC2A061-10DE-4F5B-A2F9-BE31E3BB8A2A}"/>
+    <dgm:cxn modelId="{BCAD99E7-E9B9-4316-B06A-EBCEB4019008}" type="presOf" srcId="{2863BF80-65B6-4A73-9EE5-BEBCC72D932E}" destId="{55BB1690-5E83-4E03-A9D3-954945DDF942}" srcOrd="0" destOrd="0" presId="urn:microsoft.com/office/officeart/2011/layout/TabList"/>
+    <dgm:cxn modelId="{00B3EDF9-A151-4CC1-9E7F-D9747A9D78A9}" type="presOf" srcId="{4AD4B4E2-BD85-4859-94D7-82150D9A30C0}" destId="{7FC98262-FCDB-41EF-A73D-6D59399A826D}" srcOrd="0" destOrd="0" presId="urn:microsoft.com/office/officeart/2011/layout/TabList"/>
+    <dgm:cxn modelId="{25A78A36-810C-429D-83B3-B067D023A820}" srcId="{2863BF80-65B6-4A73-9EE5-BEBCC72D932E}" destId="{7E003A51-97D6-4E22-988D-5A6C3175468D}" srcOrd="2" destOrd="0" parTransId="{5252CADB-C877-40AD-AA1C-83FE8413A33C}" sibTransId="{3309E3EF-0598-42BE-9F44-B27506971518}"/>
+    <dgm:cxn modelId="{85C58EF0-0DA9-4D1F-AE17-02A4F3452A97}" srcId="{2863BF80-65B6-4A73-9EE5-BEBCC72D932E}" destId="{35600B54-133F-4D9D-A3A6-7937D861F4DE}" srcOrd="3" destOrd="0" parTransId="{00E4809E-02AD-4C59-A68D-A1199F3A7E60}" sibTransId="{B89DD48F-35A9-4851-8397-0A2C23723CD4}"/>
+    <dgm:cxn modelId="{6AC904FC-738C-48C7-BF2E-721F3121DB2D}" type="presOf" srcId="{1D6EE1E3-78FF-49D4-9072-7740B332765C}" destId="{43B2C0A2-B742-4BC6-AF1A-09CF7376FD19}" srcOrd="0" destOrd="3" presId="urn:microsoft.com/office/officeart/2011/layout/TabList"/>
+    <dgm:cxn modelId="{3A878CBE-5FB1-4D25-9505-B0124578564F}" srcId="{F270C383-488D-4C98-A85E-7CA1271BA8FF}" destId="{7CF55573-BBD3-49E8-92B8-3211C5608304}" srcOrd="4" destOrd="0" parTransId="{5C5C2477-03EC-406C-8BCD-D4BE35F3B077}" sibTransId="{96D2ED54-C5F7-413C-89E4-719638846FE5}"/>
+    <dgm:cxn modelId="{180869E4-CC4B-4872-A88F-38EFB7CC9FF4}" type="presOf" srcId="{3562F762-6184-48E4-B12B-AAAC83BD436B}" destId="{052F950E-23D4-479F-A928-402476A2279D}" srcOrd="0" destOrd="0" presId="urn:microsoft.com/office/officeart/2011/layout/TabList"/>
+    <dgm:cxn modelId="{76421210-0A1C-428C-9478-B1B9FD821DFE}" type="presOf" srcId="{7E003A51-97D6-4E22-988D-5A6C3175468D}" destId="{43B2C0A2-B742-4BC6-AF1A-09CF7376FD19}" srcOrd="0" destOrd="1" presId="urn:microsoft.com/office/officeart/2011/layout/TabList"/>
+    <dgm:cxn modelId="{A88D32E2-004F-440F-A83D-17F1C89046BB}" srcId="{2863BF80-65B6-4A73-9EE5-BEBCC72D932E}" destId="{4AD4B4E2-BD85-4859-94D7-82150D9A30C0}" srcOrd="0" destOrd="0" parTransId="{EA520230-A403-4529-AF88-DFECCF9079EE}" sibTransId="{7EFC53CA-D3F8-4E83-A97D-9F843E868B9F}"/>
+    <dgm:cxn modelId="{BE5AB9E7-2B30-4009-9C1B-53E6A76418AB}" type="presOf" srcId="{F270C383-488D-4C98-A85E-7CA1271BA8FF}" destId="{68B99415-6031-494B-A132-A25520D68C00}" srcOrd="0" destOrd="0" presId="urn:microsoft.com/office/officeart/2011/layout/TabList"/>
+    <dgm:cxn modelId="{E0C91016-68F4-47B2-8508-68CA97A9FA4E}" type="presOf" srcId="{F9FC1497-95BF-4040-A6C5-6B25C5963AA6}" destId="{3243D54C-7348-4BB3-B1F1-0E4162F4408E}" srcOrd="0" destOrd="0" presId="urn:microsoft.com/office/officeart/2011/layout/TabList"/>
+    <dgm:cxn modelId="{CAB3C95C-09DF-4F4F-9CB9-44DEC8BCF828}" srcId="{F270C383-488D-4C98-A85E-7CA1271BA8FF}" destId="{3562F762-6184-48E4-B12B-AAAC83BD436B}" srcOrd="1" destOrd="0" parTransId="{B6C2A455-9D2D-471A-A83C-4DC425E6603B}" sibTransId="{1A32748F-7AB2-4B68-809B-9DC97AA2A5FE}"/>
+    <dgm:cxn modelId="{DF1CCEE6-5D8E-4F10-A78A-5AE256250853}" type="presOf" srcId="{82AE59B5-55A2-4543-970F-E7DD122CEDAA}" destId="{052F950E-23D4-479F-A928-402476A2279D}" srcOrd="0" destOrd="1" presId="urn:microsoft.com/office/officeart/2011/layout/TabList"/>
+    <dgm:cxn modelId="{586C43D7-521C-4C26-8DFA-B926AF1F1085}" type="presParOf" srcId="{3243D54C-7348-4BB3-B1F1-0E4162F4408E}" destId="{8834A1DF-C4A4-463E-A5DE-C438D7B4B7BC}" srcOrd="0" destOrd="0" presId="urn:microsoft.com/office/officeart/2011/layout/TabList"/>
+    <dgm:cxn modelId="{BE756F86-F839-44BC-A358-7B07CD720A17}" type="presParOf" srcId="{8834A1DF-C4A4-463E-A5DE-C438D7B4B7BC}" destId="{7FC98262-FCDB-41EF-A73D-6D59399A826D}" srcOrd="0" destOrd="0" presId="urn:microsoft.com/office/officeart/2011/layout/TabList"/>
+    <dgm:cxn modelId="{EB207530-A993-489E-B204-5D217911E332}" type="presParOf" srcId="{8834A1DF-C4A4-463E-A5DE-C438D7B4B7BC}" destId="{55BB1690-5E83-4E03-A9D3-954945DDF942}" srcOrd="1" destOrd="0" presId="urn:microsoft.com/office/officeart/2011/layout/TabList"/>
+    <dgm:cxn modelId="{B55CF071-FA6E-4C09-A015-61587AE2DAFE}" type="presParOf" srcId="{8834A1DF-C4A4-463E-A5DE-C438D7B4B7BC}" destId="{0E6495D8-81DE-47A3-8870-C4E9DEBE74C9}" srcOrd="2" destOrd="0" presId="urn:microsoft.com/office/officeart/2011/layout/TabList"/>
+    <dgm:cxn modelId="{8AEF4D0A-0940-464E-A271-15357C7B5E95}" type="presParOf" srcId="{3243D54C-7348-4BB3-B1F1-0E4162F4408E}" destId="{43B2C0A2-B742-4BC6-AF1A-09CF7376FD19}" srcOrd="1" destOrd="0" presId="urn:microsoft.com/office/officeart/2011/layout/TabList"/>
+    <dgm:cxn modelId="{2EAECFA0-45AD-43B5-A55A-D5EBC9A6BB63}" type="presParOf" srcId="{3243D54C-7348-4BB3-B1F1-0E4162F4408E}" destId="{EA8A4384-9019-4C77-A95A-D0D9CE83DAD5}" srcOrd="2" destOrd="0" presId="urn:microsoft.com/office/officeart/2011/layout/TabList"/>
+    <dgm:cxn modelId="{68492C76-E8D3-475F-82F9-73EC8128C7EB}" type="presParOf" srcId="{3243D54C-7348-4BB3-B1F1-0E4162F4408E}" destId="{3920CEF6-A404-4A21-B91D-9AA92126C034}" srcOrd="3" destOrd="0" presId="urn:microsoft.com/office/officeart/2011/layout/TabList"/>
+    <dgm:cxn modelId="{5186ADEC-A01A-4130-95C5-477F845478E8}" type="presParOf" srcId="{3920CEF6-A404-4A21-B91D-9AA92126C034}" destId="{847ACEB2-244E-4FEC-B6E3-9C07FAE3097F}" srcOrd="0" destOrd="0" presId="urn:microsoft.com/office/officeart/2011/layout/TabList"/>
+    <dgm:cxn modelId="{A209B6A2-FF1A-4D8C-84B8-1E7A5A246C59}" type="presParOf" srcId="{3920CEF6-A404-4A21-B91D-9AA92126C034}" destId="{68B99415-6031-494B-A132-A25520D68C00}" srcOrd="1" destOrd="0" presId="urn:microsoft.com/office/officeart/2011/layout/TabList"/>
+    <dgm:cxn modelId="{D5050460-451E-4B90-A778-E45731DDDCCA}" type="presParOf" srcId="{3920CEF6-A404-4A21-B91D-9AA92126C034}" destId="{87E3DACC-65DF-46A2-92B5-6C7EB27826AE}" srcOrd="2" destOrd="0" presId="urn:microsoft.com/office/officeart/2011/layout/TabList"/>
+    <dgm:cxn modelId="{02BE361A-BDF8-4A6F-87A4-1D37791986E8}" type="presParOf" srcId="{3243D54C-7348-4BB3-B1F1-0E4162F4408E}" destId="{052F950E-23D4-479F-A928-402476A2279D}" srcOrd="4" destOrd="0" presId="urn:microsoft.com/office/officeart/2011/layout/TabList"/>
+  </dgm:cxnLst>
+  <dgm:bg/>
+  <dgm:whole/>
+  <dgm:extLst>
+    <a:ext uri="http://schemas.microsoft.com/office/drawing/2008/diagram">
+      <dsp:dataModelExt xmlns:dsp="http://schemas.microsoft.com/office/drawing/2008/diagram" relId="rId6" minVer="http://schemas.openxmlformats.org/drawingml/2006/diagram"/>
+    </a:ext>
+  </dgm:extLst>
+</dgm:dataModel>
+</file>
+
+<file path=ppt/diagrams/drawing1.xml><?xml version="1.0" encoding="utf-8"?>
+<dsp:drawing xmlns:dgm="http://schemas.openxmlformats.org/drawingml/2006/diagram" xmlns:dsp="http://schemas.microsoft.com/office/drawing/2008/diagram" xmlns:a="http://schemas.openxmlformats.org/drawingml/2006/main">
+  <dsp:spTree>
+    <dsp:nvGrpSpPr>
+      <dsp:cNvPr id="0" name=""/>
+      <dsp:cNvGrpSpPr/>
+    </dsp:nvGrpSpPr>
+    <dsp:grpSpPr/>
+    <dsp:sp modelId="{87E3DACC-65DF-46A2-92B5-6C7EB27826AE}">
+      <dsp:nvSpPr>
+        <dsp:cNvPr id="0" name=""/>
+        <dsp:cNvSpPr/>
+      </dsp:nvSpPr>
+      <dsp:spPr>
+        <a:xfrm>
+          <a:off x="0" y="2912415"/>
+          <a:ext cx="9262681" cy="0"/>
+        </a:xfrm>
+        <a:prstGeom prst="line">
+          <a:avLst/>
+        </a:prstGeom>
+        <a:noFill/>
+        <a:ln w="13970" cap="flat" cmpd="sng" algn="ctr">
+          <a:solidFill>
+            <a:schemeClr val="accent1">
+              <a:shade val="60000"/>
+              <a:hueOff val="0"/>
+              <a:satOff val="0"/>
+              <a:lumOff val="0"/>
+              <a:alphaOff val="0"/>
+            </a:schemeClr>
+          </a:solidFill>
+          <a:prstDash val="solid"/>
+        </a:ln>
+        <a:effectLst/>
+      </dsp:spPr>
+      <dsp:style>
+        <a:lnRef idx="2">
+          <a:scrgbClr r="0" g="0" b="0"/>
+        </a:lnRef>
+        <a:fillRef idx="0">
+          <a:scrgbClr r="0" g="0" b="0"/>
+        </a:fillRef>
+        <a:effectRef idx="0">
+          <a:scrgbClr r="0" g="0" b="0"/>
+        </a:effectRef>
+        <a:fontRef idx="minor"/>
+      </dsp:style>
+    </dsp:sp>
+    <dsp:sp modelId="{0E6495D8-81DE-47A3-8870-C4E9DEBE74C9}">
+      <dsp:nvSpPr>
+        <dsp:cNvPr id="0" name=""/>
+        <dsp:cNvSpPr/>
+      </dsp:nvSpPr>
+      <dsp:spPr>
+        <a:xfrm>
+          <a:off x="0" y="719929"/>
+          <a:ext cx="9262681" cy="0"/>
+        </a:xfrm>
+        <a:prstGeom prst="line">
+          <a:avLst/>
+        </a:prstGeom>
+        <a:noFill/>
+        <a:ln w="13970" cap="flat" cmpd="sng" algn="ctr">
+          <a:solidFill>
+            <a:schemeClr val="accent1">
+              <a:shade val="60000"/>
+              <a:hueOff val="0"/>
+              <a:satOff val="0"/>
+              <a:lumOff val="0"/>
+              <a:alphaOff val="0"/>
+            </a:schemeClr>
+          </a:solidFill>
+          <a:prstDash val="solid"/>
+        </a:ln>
+        <a:effectLst/>
+      </dsp:spPr>
+      <dsp:style>
+        <a:lnRef idx="2">
+          <a:scrgbClr r="0" g="0" b="0"/>
+        </a:lnRef>
+        <a:fillRef idx="0">
+          <a:scrgbClr r="0" g="0" b="0"/>
+        </a:fillRef>
+        <a:effectRef idx="0">
+          <a:scrgbClr r="0" g="0" b="0"/>
+        </a:effectRef>
+        <a:fontRef idx="minor"/>
+      </dsp:style>
+    </dsp:sp>
+    <dsp:sp modelId="{7FC98262-FCDB-41EF-A73D-6D59399A826D}">
+      <dsp:nvSpPr>
+        <dsp:cNvPr id="0" name=""/>
+        <dsp:cNvSpPr/>
+      </dsp:nvSpPr>
+      <dsp:spPr>
+        <a:xfrm>
+          <a:off x="2408297" y="1152"/>
+          <a:ext cx="6854383" cy="718777"/>
+        </a:xfrm>
+        <a:prstGeom prst="rect">
+          <a:avLst/>
+        </a:prstGeom>
+        <a:noFill/>
+        <a:ln>
+          <a:noFill/>
+        </a:ln>
+        <a:effectLst/>
+      </dsp:spPr>
+      <dsp:style>
+        <a:lnRef idx="0">
+          <a:scrgbClr r="0" g="0" b="0"/>
+        </a:lnRef>
+        <a:fillRef idx="0">
+          <a:scrgbClr r="0" g="0" b="0"/>
+        </a:fillRef>
+        <a:effectRef idx="0">
+          <a:scrgbClr r="0" g="0" b="0"/>
+        </a:effectRef>
+        <a:fontRef idx="minor"/>
+      </dsp:style>
+      <dsp:txBody>
+        <a:bodyPr spcFirstLastPara="0" vert="horz" wrap="square" lIns="72390" tIns="72390" rIns="72390" bIns="72390" numCol="1" spcCol="1270" anchor="b" anchorCtr="0">
+          <a:noAutofit/>
+        </a:bodyPr>
+        <a:lstStyle/>
+        <a:p>
+          <a:pPr lvl="0" algn="l" defTabSz="1689100">
+            <a:lnSpc>
+              <a:spcPct val="90000"/>
+            </a:lnSpc>
+            <a:spcBef>
+              <a:spcPct val="0"/>
+            </a:spcBef>
+            <a:spcAft>
+              <a:spcPct val="35000"/>
+            </a:spcAft>
+          </a:pPr>
+          <a:endParaRPr lang="en-US" sz="3800" kern="1200" dirty="0"/>
+        </a:p>
+      </dsp:txBody>
+      <dsp:txXfrm>
+        <a:off x="2408297" y="1152"/>
+        <a:ext cx="6854383" cy="718777"/>
+      </dsp:txXfrm>
+    </dsp:sp>
+    <dsp:sp modelId="{55BB1690-5E83-4E03-A9D3-954945DDF942}">
+      <dsp:nvSpPr>
+        <dsp:cNvPr id="0" name=""/>
+        <dsp:cNvSpPr/>
+      </dsp:nvSpPr>
+      <dsp:spPr>
+        <a:xfrm>
+          <a:off x="0" y="1152"/>
+          <a:ext cx="2408297" cy="718777"/>
+        </a:xfrm>
+        <a:prstGeom prst="round2SameRect">
+          <a:avLst>
+            <a:gd name="adj1" fmla="val 16670"/>
+            <a:gd name="adj2" fmla="val 0"/>
+          </a:avLst>
+        </a:prstGeom>
+        <a:solidFill>
+          <a:schemeClr val="accent1">
+            <a:hueOff val="0"/>
+            <a:satOff val="0"/>
+            <a:lumOff val="0"/>
+            <a:alphaOff val="0"/>
+          </a:schemeClr>
+        </a:solidFill>
+        <a:ln w="13970" cap="flat" cmpd="sng" algn="ctr">
+          <a:solidFill>
+            <a:schemeClr val="accent1">
+              <a:hueOff val="0"/>
+              <a:satOff val="0"/>
+              <a:lumOff val="0"/>
+              <a:alphaOff val="0"/>
+            </a:schemeClr>
+          </a:solidFill>
+          <a:prstDash val="solid"/>
+        </a:ln>
+        <a:effectLst/>
+      </dsp:spPr>
+      <dsp:style>
+        <a:lnRef idx="2">
+          <a:scrgbClr r="0" g="0" b="0"/>
+        </a:lnRef>
+        <a:fillRef idx="1">
+          <a:scrgbClr r="0" g="0" b="0"/>
+        </a:fillRef>
+        <a:effectRef idx="0">
+          <a:scrgbClr r="0" g="0" b="0"/>
+        </a:effectRef>
+        <a:fontRef idx="minor">
+          <a:schemeClr val="lt1"/>
+        </a:fontRef>
+      </dsp:style>
+      <dsp:txBody>
+        <a:bodyPr spcFirstLastPara="0" vert="horz" wrap="square" lIns="72390" tIns="72390" rIns="72390" bIns="72390" numCol="1" spcCol="1270" anchor="ctr" anchorCtr="0">
+          <a:noAutofit/>
+        </a:bodyPr>
+        <a:lstStyle/>
+        <a:p>
+          <a:pPr lvl="0" algn="ctr" defTabSz="1689100">
+            <a:lnSpc>
+              <a:spcPct val="90000"/>
+            </a:lnSpc>
+            <a:spcBef>
+              <a:spcPct val="0"/>
+            </a:spcBef>
+            <a:spcAft>
+              <a:spcPct val="35000"/>
+            </a:spcAft>
+          </a:pPr>
+          <a:r>
+            <a:rPr lang="en-US" sz="3800" kern="1200" dirty="0" smtClean="0"/>
+            <a:t>GNU</a:t>
+          </a:r>
+          <a:endParaRPr lang="en-US" sz="3800" kern="1200" dirty="0"/>
+        </a:p>
+      </dsp:txBody>
+      <dsp:txXfrm>
+        <a:off x="35094" y="36246"/>
+        <a:ext cx="2338109" cy="683683"/>
+      </dsp:txXfrm>
+    </dsp:sp>
+    <dsp:sp modelId="{43B2C0A2-B742-4BC6-AF1A-09CF7376FD19}">
+      <dsp:nvSpPr>
+        <dsp:cNvPr id="0" name=""/>
+        <dsp:cNvSpPr/>
+      </dsp:nvSpPr>
+      <dsp:spPr>
+        <a:xfrm>
+          <a:off x="0" y="719929"/>
+          <a:ext cx="9262681" cy="1437769"/>
+        </a:xfrm>
+        <a:prstGeom prst="rect">
+          <a:avLst/>
+        </a:prstGeom>
+        <a:noFill/>
+        <a:ln>
+          <a:noFill/>
+        </a:ln>
+        <a:effectLst/>
+      </dsp:spPr>
+      <dsp:style>
+        <a:lnRef idx="0">
+          <a:scrgbClr r="0" g="0" b="0"/>
+        </a:lnRef>
+        <a:fillRef idx="0">
+          <a:scrgbClr r="0" g="0" b="0"/>
+        </a:fillRef>
+        <a:effectRef idx="0">
+          <a:scrgbClr r="0" g="0" b="0"/>
+        </a:effectRef>
+        <a:fontRef idx="minor"/>
+      </dsp:style>
+      <dsp:txBody>
+        <a:bodyPr spcFirstLastPara="0" vert="horz" wrap="square" lIns="45720" tIns="45720" rIns="45720" bIns="45720" numCol="1" spcCol="1270" anchor="t" anchorCtr="0">
+          <a:noAutofit/>
+        </a:bodyPr>
+        <a:lstStyle/>
+        <a:p>
+          <a:pPr marL="171450" lvl="1" indent="-171450" algn="l" defTabSz="844550">
+            <a:lnSpc>
+              <a:spcPct val="90000"/>
+            </a:lnSpc>
+            <a:spcBef>
+              <a:spcPct val="0"/>
+            </a:spcBef>
+            <a:spcAft>
+              <a:spcPct val="15000"/>
+            </a:spcAft>
+            <a:buChar char="••"/>
+          </a:pPr>
+          <a:r>
+            <a:rPr lang="en-US" sz="1900" kern="1200" dirty="0" smtClean="0"/>
+            <a:t>Started by Richard Stallman (RMS) in 1983</a:t>
+          </a:r>
+          <a:endParaRPr lang="en-US" sz="1900" kern="1200" dirty="0"/>
+        </a:p>
+        <a:p>
+          <a:pPr marL="171450" lvl="1" indent="-171450" algn="l" defTabSz="844550">
+            <a:lnSpc>
+              <a:spcPct val="90000"/>
+            </a:lnSpc>
+            <a:spcBef>
+              <a:spcPct val="0"/>
+            </a:spcBef>
+            <a:spcAft>
+              <a:spcPct val="15000"/>
+            </a:spcAft>
+            <a:buChar char="••"/>
+          </a:pPr>
+          <a:r>
+            <a:rPr lang="en-US" sz="1900" kern="1200" dirty="0" smtClean="0"/>
+            <a:t>Motive to create a complete free operating system</a:t>
+          </a:r>
+          <a:endParaRPr lang="en-US" sz="1900" kern="1200" dirty="0"/>
+        </a:p>
+        <a:p>
+          <a:pPr marL="171450" lvl="1" indent="-171450" algn="l" defTabSz="844550">
+            <a:lnSpc>
+              <a:spcPct val="90000"/>
+            </a:lnSpc>
+            <a:spcBef>
+              <a:spcPct val="0"/>
+            </a:spcBef>
+            <a:spcAft>
+              <a:spcPct val="15000"/>
+            </a:spcAft>
+            <a:buChar char="••"/>
+          </a:pPr>
+          <a:r>
+            <a:rPr lang="en-US" sz="1900" kern="1200" dirty="0" smtClean="0"/>
+            <a:t>Feb. 1986, TRIX developed at MIT, is GNU’s first kernel</a:t>
+          </a:r>
+          <a:endParaRPr lang="en-US" sz="1900" kern="1200" dirty="0"/>
+        </a:p>
+        <a:p>
+          <a:pPr marL="171450" lvl="1" indent="-171450" algn="l" defTabSz="844550">
+            <a:lnSpc>
+              <a:spcPct val="90000"/>
+            </a:lnSpc>
+            <a:spcBef>
+              <a:spcPct val="0"/>
+            </a:spcBef>
+            <a:spcAft>
+              <a:spcPct val="15000"/>
+            </a:spcAft>
+            <a:buChar char="••"/>
+          </a:pPr>
+          <a:r>
+            <a:rPr lang="en-US" sz="1900" kern="1200" dirty="0" smtClean="0"/>
+            <a:t>In 1990, FSF started </a:t>
+          </a:r>
+          <a:r>
+            <a:rPr lang="en-US" sz="1900" b="1" kern="1200" dirty="0" smtClean="0"/>
+            <a:t>Hurd</a:t>
+          </a:r>
+          <a:r>
+            <a:rPr lang="en-US" sz="1900" b="0" kern="1200" dirty="0" smtClean="0"/>
+            <a:t> – GNU’s first official kernel (on Mach)</a:t>
+          </a:r>
+          <a:endParaRPr lang="en-US" sz="1900" kern="1200" dirty="0"/>
+        </a:p>
+      </dsp:txBody>
+      <dsp:txXfrm>
+        <a:off x="0" y="719929"/>
+        <a:ext cx="9262681" cy="1437769"/>
+      </dsp:txXfrm>
+    </dsp:sp>
+    <dsp:sp modelId="{847ACEB2-244E-4FEC-B6E3-9C07FAE3097F}">
+      <dsp:nvSpPr>
+        <dsp:cNvPr id="0" name=""/>
+        <dsp:cNvSpPr/>
+      </dsp:nvSpPr>
+      <dsp:spPr>
+        <a:xfrm>
+          <a:off x="2408297" y="2193638"/>
+          <a:ext cx="6854383" cy="718777"/>
+        </a:xfrm>
+        <a:prstGeom prst="rect">
+          <a:avLst/>
+        </a:prstGeom>
+        <a:noFill/>
+        <a:ln>
+          <a:noFill/>
+        </a:ln>
+        <a:effectLst/>
+      </dsp:spPr>
+      <dsp:style>
+        <a:lnRef idx="0">
+          <a:scrgbClr r="0" g="0" b="0"/>
+        </a:lnRef>
+        <a:fillRef idx="0">
+          <a:scrgbClr r="0" g="0" b="0"/>
+        </a:fillRef>
+        <a:effectRef idx="0">
+          <a:scrgbClr r="0" g="0" b="0"/>
+        </a:effectRef>
+        <a:fontRef idx="minor"/>
+      </dsp:style>
+      <dsp:txBody>
+        <a:bodyPr spcFirstLastPara="0" vert="horz" wrap="square" lIns="72390" tIns="72390" rIns="72390" bIns="72390" numCol="1" spcCol="1270" anchor="b" anchorCtr="0">
+          <a:noAutofit/>
+        </a:bodyPr>
+        <a:lstStyle/>
+        <a:p>
+          <a:pPr lvl="0" algn="l" defTabSz="1689100">
+            <a:lnSpc>
+              <a:spcPct val="90000"/>
+            </a:lnSpc>
+            <a:spcBef>
+              <a:spcPct val="0"/>
+            </a:spcBef>
+            <a:spcAft>
+              <a:spcPct val="35000"/>
+            </a:spcAft>
+          </a:pPr>
+          <a:endParaRPr lang="en-US" sz="3800" kern="1200" dirty="0"/>
+        </a:p>
+      </dsp:txBody>
+      <dsp:txXfrm>
+        <a:off x="2408297" y="2193638"/>
+        <a:ext cx="6854383" cy="718777"/>
+      </dsp:txXfrm>
+    </dsp:sp>
+    <dsp:sp modelId="{68B99415-6031-494B-A132-A25520D68C00}">
+      <dsp:nvSpPr>
+        <dsp:cNvPr id="0" name=""/>
+        <dsp:cNvSpPr/>
+      </dsp:nvSpPr>
+      <dsp:spPr>
+        <a:xfrm>
+          <a:off x="0" y="2193638"/>
+          <a:ext cx="2408297" cy="718777"/>
+        </a:xfrm>
+        <a:prstGeom prst="round2SameRect">
+          <a:avLst>
+            <a:gd name="adj1" fmla="val 16670"/>
+            <a:gd name="adj2" fmla="val 0"/>
+          </a:avLst>
+        </a:prstGeom>
+        <a:solidFill>
+          <a:schemeClr val="accent1">
+            <a:hueOff val="0"/>
+            <a:satOff val="0"/>
+            <a:lumOff val="0"/>
+            <a:alphaOff val="0"/>
+          </a:schemeClr>
+        </a:solidFill>
+        <a:ln w="13970" cap="flat" cmpd="sng" algn="ctr">
+          <a:solidFill>
+            <a:schemeClr val="accent1">
+              <a:hueOff val="0"/>
+              <a:satOff val="0"/>
+              <a:lumOff val="0"/>
+              <a:alphaOff val="0"/>
+            </a:schemeClr>
+          </a:solidFill>
+          <a:prstDash val="solid"/>
+        </a:ln>
+        <a:effectLst/>
+      </dsp:spPr>
+      <dsp:style>
+        <a:lnRef idx="2">
+          <a:scrgbClr r="0" g="0" b="0"/>
+        </a:lnRef>
+        <a:fillRef idx="1">
+          <a:scrgbClr r="0" g="0" b="0"/>
+        </a:fillRef>
+        <a:effectRef idx="0">
+          <a:scrgbClr r="0" g="0" b="0"/>
+        </a:effectRef>
+        <a:fontRef idx="minor">
+          <a:schemeClr val="lt1"/>
+        </a:fontRef>
+      </dsp:style>
+      <dsp:txBody>
+        <a:bodyPr spcFirstLastPara="0" vert="horz" wrap="square" lIns="72390" tIns="72390" rIns="72390" bIns="72390" numCol="1" spcCol="1270" anchor="ctr" anchorCtr="0">
+          <a:noAutofit/>
+        </a:bodyPr>
+        <a:lstStyle/>
+        <a:p>
+          <a:pPr lvl="0" algn="ctr" defTabSz="1689100">
+            <a:lnSpc>
+              <a:spcPct val="90000"/>
+            </a:lnSpc>
+            <a:spcBef>
+              <a:spcPct val="0"/>
+            </a:spcBef>
+            <a:spcAft>
+              <a:spcPct val="35000"/>
+            </a:spcAft>
+          </a:pPr>
+          <a:r>
+            <a:rPr lang="en-US" sz="3800" kern="1200" dirty="0" smtClean="0"/>
+            <a:t>GCC</a:t>
+          </a:r>
+          <a:endParaRPr lang="en-US" sz="3800" kern="1200" dirty="0"/>
+        </a:p>
+      </dsp:txBody>
+      <dsp:txXfrm>
+        <a:off x="35094" y="2228732"/>
+        <a:ext cx="2338109" cy="683683"/>
+      </dsp:txXfrm>
+    </dsp:sp>
+    <dsp:sp modelId="{052F950E-23D4-479F-A928-402476A2279D}">
+      <dsp:nvSpPr>
+        <dsp:cNvPr id="0" name=""/>
+        <dsp:cNvSpPr/>
+      </dsp:nvSpPr>
+      <dsp:spPr>
+        <a:xfrm>
+          <a:off x="0" y="2912415"/>
+          <a:ext cx="9262681" cy="1437769"/>
+        </a:xfrm>
+        <a:prstGeom prst="rect">
+          <a:avLst/>
+        </a:prstGeom>
+        <a:noFill/>
+        <a:ln>
+          <a:noFill/>
+        </a:ln>
+        <a:effectLst/>
+      </dsp:spPr>
+      <dsp:style>
+        <a:lnRef idx="0">
+          <a:scrgbClr r="0" g="0" b="0"/>
+        </a:lnRef>
+        <a:fillRef idx="0">
+          <a:scrgbClr r="0" g="0" b="0"/>
+        </a:fillRef>
+        <a:effectRef idx="0">
+          <a:scrgbClr r="0" g="0" b="0"/>
+        </a:effectRef>
+        <a:fontRef idx="minor"/>
+      </dsp:style>
+      <dsp:txBody>
+        <a:bodyPr spcFirstLastPara="0" vert="horz" wrap="square" lIns="45720" tIns="45720" rIns="45720" bIns="45720" numCol="1" spcCol="1270" anchor="t" anchorCtr="0">
+          <a:noAutofit/>
+        </a:bodyPr>
+        <a:lstStyle/>
+        <a:p>
+          <a:pPr marL="171450" lvl="1" indent="-171450" algn="l" defTabSz="844550">
+            <a:lnSpc>
+              <a:spcPct val="90000"/>
+            </a:lnSpc>
+            <a:spcBef>
+              <a:spcPct val="0"/>
+            </a:spcBef>
+            <a:spcAft>
+              <a:spcPct val="15000"/>
+            </a:spcAft>
+            <a:buChar char="••"/>
+          </a:pPr>
+          <a:r>
+            <a:rPr lang="en-US" sz="1900" kern="1200" dirty="0" smtClean="0"/>
+            <a:t>22</a:t>
+          </a:r>
+          <a:r>
+            <a:rPr lang="en-US" sz="1900" kern="1200" baseline="30000" dirty="0" smtClean="0"/>
+            <a:t>nd</a:t>
+          </a:r>
+          <a:r>
+            <a:rPr lang="en-US" sz="1900" kern="1200" dirty="0" smtClean="0"/>
+            <a:t> March, 1987 </a:t>
+          </a:r>
+          <a:r>
+            <a:rPr lang="en-US" sz="1900" kern="1200" dirty="0" smtClean="0">
+              <a:sym typeface="Wingdings" panose="05000000000000000000" pitchFamily="2" charset="2"/>
+            </a:rPr>
+            <a:t> First </a:t>
+          </a:r>
+          <a:r>
+            <a:rPr lang="en-US" sz="1900" i="1" kern="1200" dirty="0" smtClean="0">
+              <a:sym typeface="Wingdings" panose="05000000000000000000" pitchFamily="2" charset="2"/>
+            </a:rPr>
+            <a:t>beta</a:t>
+          </a:r>
+          <a:r>
+            <a:rPr lang="en-US" sz="1900" i="0" kern="1200" dirty="0" smtClean="0">
+              <a:sym typeface="Wingdings" panose="05000000000000000000" pitchFamily="2" charset="2"/>
+            </a:rPr>
+            <a:t> release of the </a:t>
+          </a:r>
+          <a:r>
+            <a:rPr lang="en-US" sz="1900" b="1" i="0" kern="1200" dirty="0" smtClean="0">
+              <a:sym typeface="Wingdings" panose="05000000000000000000" pitchFamily="2" charset="2"/>
+            </a:rPr>
+            <a:t>GNU C Compiler (GCC)</a:t>
+          </a:r>
+          <a:endParaRPr lang="en-US" sz="1900" kern="1200" dirty="0"/>
+        </a:p>
+        <a:p>
+          <a:pPr marL="171450" lvl="1" indent="-171450" algn="l" defTabSz="844550">
+            <a:lnSpc>
+              <a:spcPct val="90000"/>
+            </a:lnSpc>
+            <a:spcBef>
+              <a:spcPct val="0"/>
+            </a:spcBef>
+            <a:spcAft>
+              <a:spcPct val="15000"/>
+            </a:spcAft>
+            <a:buChar char="••"/>
+          </a:pPr>
+          <a:r>
+            <a:rPr lang="en-US" sz="1900" kern="1200" dirty="0" smtClean="0"/>
+            <a:t>Motive to create multi-language, multi-platform compiler</a:t>
+          </a:r>
+          <a:endParaRPr lang="en-US" sz="1900" kern="1200" dirty="0"/>
+        </a:p>
+        <a:p>
+          <a:pPr marL="171450" lvl="1" indent="-171450" algn="l" defTabSz="844550">
+            <a:lnSpc>
+              <a:spcPct val="90000"/>
+            </a:lnSpc>
+            <a:spcBef>
+              <a:spcPct val="0"/>
+            </a:spcBef>
+            <a:spcAft>
+              <a:spcPct val="15000"/>
+            </a:spcAft>
+            <a:buChar char="••"/>
+          </a:pPr>
+          <a:r>
+            <a:rPr lang="en-US" sz="1900" b="1" kern="1200" dirty="0" smtClean="0"/>
+            <a:t>Cygnus</a:t>
+          </a:r>
+          <a:r>
+            <a:rPr lang="en-US" sz="1900" kern="1200" dirty="0" smtClean="0"/>
+            <a:t> [gcc2] project - over 175 host/target combinations by 1999</a:t>
+          </a:r>
+          <a:endParaRPr lang="en-US" sz="1900" kern="1200" dirty="0"/>
+        </a:p>
+        <a:p>
+          <a:pPr marL="171450" lvl="1" indent="-171450" algn="l" defTabSz="844550">
+            <a:lnSpc>
+              <a:spcPct val="90000"/>
+            </a:lnSpc>
+            <a:spcBef>
+              <a:spcPct val="0"/>
+            </a:spcBef>
+            <a:spcAft>
+              <a:spcPct val="15000"/>
+            </a:spcAft>
+            <a:buChar char="••"/>
+          </a:pPr>
+          <a:r>
+            <a:rPr lang="en-US" sz="1900" b="1" kern="1200" dirty="0" smtClean="0"/>
+            <a:t>ECGS</a:t>
+          </a:r>
+          <a:r>
+            <a:rPr lang="en-US" sz="1900" kern="1200" dirty="0" smtClean="0"/>
+            <a:t> [‘eggs’ </a:t>
+          </a:r>
+          <a:r>
+            <a:rPr lang="en-US" sz="1900" kern="1200" dirty="0" smtClean="0">
+              <a:sym typeface="Wingdings" panose="05000000000000000000" pitchFamily="2" charset="2"/>
+            </a:rPr>
+            <a:t></a:t>
+          </a:r>
+          <a:r>
+            <a:rPr lang="en-US" sz="1900" kern="1200" dirty="0" smtClean="0"/>
+            <a:t>] project -  constitutes ports from multiple developers/hackers</a:t>
+          </a:r>
+          <a:endParaRPr lang="en-US" sz="1900" kern="1200" dirty="0"/>
+        </a:p>
+      </dsp:txBody>
+      <dsp:txXfrm>
+        <a:off x="0" y="2912415"/>
+        <a:ext cx="9262681" cy="1437769"/>
+      </dsp:txXfrm>
+    </dsp:sp>
+  </dsp:spTree>
+</dsp:drawing>
+</file>
+
+<file path=ppt/diagrams/layout1.xml><?xml version="1.0" encoding="utf-8"?>
+<dgm:layoutDef xmlns:dgm="http://schemas.openxmlformats.org/drawingml/2006/diagram" xmlns:a="http://schemas.openxmlformats.org/drawingml/2006/main" uniqueId="urn:microsoft.com/office/officeart/2011/layout/TabList">
+  <dgm:title val="Tab List"/>
+  <dgm:desc val="Use to show non-sequential or grouped blocks of information. Works well for lists with a small amount of Level 1 text. The first Level 2 displays next to the Level 1 text  and the remaining Level 2 text appears beneath the Level 1 text."/>
+  <dgm:catLst>
+    <dgm:cat type="list" pri="4500"/>
+    <dgm:cat type="officeonline" pri="11000"/>
+  </dgm:catLst>
+  <dgm:sampData>
+    <dgm:dataModel>
+      <dgm:ptLst>
+        <dgm:pt modelId="0" type="doc"/>
+        <dgm:pt modelId="10">
+          <dgm:prSet phldr="1"/>
+        </dgm:pt>
+        <dgm:pt modelId="11">
+          <dgm:prSet phldr="1"/>
+        </dgm:pt>
+        <dgm:pt modelId="12">
+          <dgm:prSet phldr="1"/>
+        </dgm:pt>
+        <dgm:pt modelId="20">
+          <dgm:prSet phldr="1"/>
+        </dgm:pt>
+        <dgm:pt modelId="21">
+          <dgm:prSet phldr="1"/>
+        </dgm:pt>
+        <dgm:pt modelId="22">
+          <dgm:prSet phldr="1"/>
+        </dgm:pt>
+        <dgm:pt modelId="30">
+          <dgm:prSet phldr="1"/>
+        </dgm:pt>
+        <dgm:pt modelId="31">
+          <dgm:prSet phldr="1"/>
+        </dgm:pt>
+        <dgm:pt modelId="32">
+          <dgm:prSet phldr="1"/>
+        </dgm:pt>
+      </dgm:ptLst>
+      <dgm:cxnLst>
+        <dgm:cxn modelId="40" srcId="0" destId="10" srcOrd="0" destOrd="0"/>
+        <dgm:cxn modelId="41" srcId="10" destId="11" srcOrd="0" destOrd="0"/>
+        <dgm:cxn modelId="42" srcId="10" destId="12" srcOrd="0" destOrd="0"/>
+        <dgm:cxn modelId="50" srcId="0" destId="20" srcOrd="1" destOrd="0"/>
+        <dgm:cxn modelId="51" srcId="20" destId="21" srcOrd="1" destOrd="0"/>
+        <dgm:cxn modelId="52" srcId="20" destId="22" srcOrd="1" destOrd="0"/>
+        <dgm:cxn modelId="60" srcId="0" destId="30" srcOrd="2" destOrd="0"/>
+        <dgm:cxn modelId="61" srcId="30" destId="31" srcOrd="2" destOrd="0"/>
+        <dgm:cxn modelId="62" srcId="30" destId="32" srcOrd="2" destOrd="0"/>
+      </dgm:cxnLst>
+      <dgm:bg/>
+      <dgm:whole/>
+    </dgm:dataModel>
+  </dgm:sampData>
+  <dgm:styleData>
+    <dgm:dataModel>
+      <dgm:ptLst>
+        <dgm:pt modelId="0" type="doc"/>
+        <dgm:pt modelId="10">
+          <dgm:prSet phldr="1"/>
+        </dgm:pt>
+        <dgm:pt modelId="20">
+          <dgm:prSet phldr="1"/>
+        </dgm:pt>
+      </dgm:ptLst>
+      <dgm:cxnLst>
+        <dgm:cxn modelId="30" srcId="0" destId="10" srcOrd="0" destOrd="0"/>
+        <dgm:cxn modelId="40" srcId="0" destId="20" srcOrd="1" destOrd="0"/>
+      </dgm:cxnLst>
+      <dgm:bg/>
+      <dgm:whole/>
+    </dgm:dataModel>
+  </dgm:styleData>
+  <dgm:clrData>
+    <dgm:dataModel>
+      <dgm:ptLst>
+        <dgm:pt modelId="0" type="doc"/>
+        <dgm:pt modelId="10">
+          <dgm:prSet phldr="1"/>
+        </dgm:pt>
+        <dgm:pt modelId="20">
+          <dgm:prSet phldr="1"/>
+        </dgm:pt>
+        <dgm:pt modelId="30">
+          <dgm:prSet phldr="1"/>
+        </dgm:pt>
+        <dgm:pt modelId="40">
+          <dgm:prSet phldr="1"/>
+        </dgm:pt>
+      </dgm:ptLst>
+      <dgm:cxnLst>
+        <dgm:cxn modelId="50" srcId="0" destId="10" srcOrd="0" destOrd="0"/>
+        <dgm:cxn modelId="60" srcId="0" destId="20" srcOrd="1" destOrd="0"/>
+        <dgm:cxn modelId="70" srcId="0" destId="30" srcOrd="2" destOrd="0"/>
+        <dgm:cxn modelId="80" srcId="0" destId="40" srcOrd="3" destOrd="0"/>
+      </dgm:cxnLst>
+      <dgm:bg/>
+      <dgm:whole/>
+    </dgm:dataModel>
+  </dgm:clrData>
+  <dgm:layoutNode name="Name0">
+    <dgm:varLst>
+      <dgm:chMax/>
+      <dgm:chPref val="3"/>
+      <dgm:dir/>
+      <dgm:animOne val="branch"/>
+      <dgm:animLvl val="lvl"/>
+    </dgm:varLst>
+    <dgm:alg type="lin">
+      <dgm:param type="linDir" val="fromT"/>
+    </dgm:alg>
+    <dgm:shape xmlns:r="http://schemas.openxmlformats.org/officeDocument/2006/relationships" r:blip="">
+      <dgm:adjLst/>
+    </dgm:shape>
+    <dgm:constrLst>
+      <dgm:constr type="w" for="ch" forName="Child" refType="w"/>
+      <dgm:constr type="h" for="ch" forName="Child" refType="h" fact="0.6667"/>
+      <dgm:constr type="primFontSz" for="des" forName="Parent" op="equ" val="65"/>
+      <dgm:constr type="primFontSz" for="des" forName="Child" op="equ" val="65"/>
+      <dgm:constr type="primFontSz" for="des" forName="FirstChild" op="equ" val="65"/>
+      <dgm:constr type="primFontSz" for="des" forName="Child" refType="primFontSz" refFor="des" refForName="Parent" op="lte"/>
+      <dgm:constr type="primFontSz" for="des" forName="FirstChild" refType="primFontSz" refFor="des" refForName="Parent" op="lte"/>
+      <dgm:constr type="primFontSz" for="des" forName="Child" refType="primFontSz" refFor="des" refForName="FirstChild" op="lte"/>
+      <dgm:constr type="w" for="ch" forName="composite" refType="w"/>
+      <dgm:constr type="h" for="ch" forName="composite" refType="h" fact="0.3333"/>
+      <dgm:constr type="sp" refType="h" refFor="ch" refForName="composite" op="equ" fact="0.05"/>
+      <dgm:constr type="h" for="ch" forName="sibTrans" refType="h" refFor="ch" refForName="composite" op="equ" fact="0.05"/>
+      <dgm:constr type="w" for="ch" forName="sibTrans" refType="h" refFor="ch" refForName="sibTrans" op="equ"/>
+    </dgm:constrLst>
+    <dgm:forEach name="nodesForEach" axis="ch" ptType="node">
+      <dgm:layoutNode name="composite">
+        <dgm:alg type="composite"/>
+        <dgm:shape xmlns:r="http://schemas.openxmlformats.org/officeDocument/2006/relationships" r:blip="">
+          <dgm:adjLst/>
+        </dgm:shape>
+        <dgm:choose name="Name1">
+          <dgm:if name="Name2" func="var" arg="dir" op="equ" val="norm">
+            <dgm:constrLst>
+              <dgm:constr type="l" for="ch" forName="Accent" refType="w" fact="0"/>
+              <dgm:constr type="b" for="ch" forName="Accent" refType="h"/>
+              <dgm:constr type="w" for="ch" forName="Accent" refType="w"/>
+              <dgm:constr type="h" for="ch" forName="Accent" refType="h" fact="0"/>
+              <dgm:constr type="l" for="ch" forName="FirstChild" refType="w" fact="0.26"/>
+              <dgm:constr type="t" for="ch" forName="FirstChild" refType="h" fact="0"/>
+              <dgm:constr type="w" for="ch" forName="FirstChild" refType="w" fact="0.74"/>
+              <dgm:constr type="h" for="ch" forName="FirstChild" refType="h"/>
+              <dgm:constr type="l" for="ch" forName="Parent" refType="w" fact="0"/>
+              <dgm:constr type="t" for="ch" forName="Parent" refType="h" fact="0"/>
+              <dgm:constr type="w" for="ch" forName="Parent" refType="w" fact="0.26"/>
+              <dgm:constr type="h" for="ch" forName="Parent" refType="h"/>
+            </dgm:constrLst>
+          </dgm:if>
+          <dgm:else name="Name3">
+            <dgm:constrLst>
+              <dgm:constr type="l" for="ch" forName="Accent" refType="w" fact="0"/>
+              <dgm:constr type="b" for="ch" forName="Accent" refType="h"/>
+              <dgm:constr type="w" for="ch" forName="Accent" refType="w"/>
+              <dgm:constr type="h" for="ch" forName="Accent" refType="h" fact="0"/>
+              <dgm:constr type="r" for="ch" forName="FirstChild" refType="w" fact="0.74"/>
+              <dgm:constr type="t" for="ch" forName="FirstChild" refType="h" fact="0"/>
+              <dgm:constr type="w" for="ch" forName="FirstChild" refType="w" fact="0.74"/>
+              <dgm:constr type="h" for="ch" forName="FirstChild" refType="h"/>
+              <dgm:constr type="r" for="ch" forName="Parent" refType="w"/>
+              <dgm:constr type="t" for="ch" forName="Parent" refType="h" fact="0"/>
+              <dgm:constr type="w" for="ch" forName="Parent" refType="w" fact="0.26"/>
+              <dgm:constr type="h" for="ch" forName="Parent" refType="h"/>
+            </dgm:constrLst>
+          </dgm:else>
+        </dgm:choose>
+        <dgm:layoutNode name="FirstChild" styleLbl="revTx">
+          <dgm:varLst>
+            <dgm:chMax val="0"/>
+            <dgm:chPref val="0"/>
+            <dgm:bulletEnabled val="1"/>
+          </dgm:varLst>
+          <dgm:choose name="Name4">
+            <dgm:if name="Name5" func="var" arg="dir" op="equ" val="norm">
+              <dgm:alg type="tx">
+                <dgm:param type="parTxLTRAlign" val="l"/>
+                <dgm:param type="txAnchorVert" val="b"/>
+                <dgm:param type="txAnchorVertCh" val="b"/>
+                <dgm:param type="parTxRTLAlign" val="l"/>
+              </dgm:alg>
+            </dgm:if>
+            <dgm:else name="Name6">
+              <dgm:alg type="tx">
+                <dgm:param type="parTxLTRAlign" val="r"/>
+                <dgm:param type="shpTxLTRAlignCh" val="r"/>
+                <dgm:param type="txAnchorVert" val="b"/>
+                <dgm:param type="txAnchorVertCh" val="b"/>
+                <dgm:param type="parTxRTLAlign" val="r"/>
+              </dgm:alg>
+            </dgm:else>
+          </dgm:choose>
+          <dgm:shape xmlns:r="http://schemas.openxmlformats.org/officeDocument/2006/relationships" type="rect" r:blip="">
+            <dgm:adjLst/>
+          </dgm:shape>
+          <dgm:choose name="Name7">
+            <dgm:if name="Name8" axis="ch" ptType="node" func="cnt" op="gte" val="1">
+              <dgm:presOf axis="ch desOrSelf" ptType="node node" st="1 1" cnt="1 0"/>
+            </dgm:if>
+            <dgm:else name="Name9">
+              <dgm:presOf/>
+            </dgm:else>
+          </dgm:choose>
+          <dgm:constrLst>
+            <dgm:constr type="lMarg" refType="primFontSz" fact="0.15"/>
+            <dgm:constr type="rMarg" refType="primFontSz" fact="0.15"/>
+            <dgm:constr type="tMarg" refType="primFontSz" fact="0.15"/>
+            <dgm:constr type="bMarg" refType="primFontSz" fact="0.15"/>
+          </dgm:constrLst>
+          <dgm:ruleLst>
+            <dgm:rule type="primFontSz" val="5" fact="NaN" max="NaN"/>
+          </dgm:ruleLst>
+        </dgm:layoutNode>
+        <dgm:layoutNode name="Parent" styleLbl="alignNode1">
+          <dgm:varLst>
+            <dgm:chMax val="3"/>
+            <dgm:chPref val="3"/>
+            <dgm:bulletEnabled val="1"/>
+          </dgm:varLst>
+          <dgm:alg type="tx">
+            <dgm:param type="shpTxLTRAlignCh" val="ctr"/>
+            <dgm:param type="txAnchorVertCh" val="mid"/>
+          </dgm:alg>
+          <dgm:shape xmlns:r="http://schemas.openxmlformats.org/officeDocument/2006/relationships" type="round2SameRect" r:blip="">
+            <dgm:adjLst>
+              <dgm:adj idx="1" val="0.1667"/>
+              <dgm:adj idx="2" val="0"/>
+            </dgm:adjLst>
+          </dgm:shape>
+          <dgm:presOf axis="self" ptType="node"/>
+          <dgm:constrLst>
+            <dgm:constr type="lMarg" refType="primFontSz" fact="0.15"/>
+            <dgm:constr type="rMarg" refType="primFontSz" fact="0.15"/>
+            <dgm:constr type="tMarg" refType="primFontSz" fact="0.15"/>
+            <dgm:constr type="bMarg" refType="primFontSz" fact="0.15"/>
+          </dgm:constrLst>
+          <dgm:ruleLst>
+            <dgm:rule type="primFontSz" val="5" fact="NaN" max="NaN"/>
+          </dgm:ruleLst>
+        </dgm:layoutNode>
+        <dgm:layoutNode name="Accent" styleLbl="parChTrans1D1">
+          <dgm:alg type="sp"/>
+          <dgm:shape xmlns:r="http://schemas.openxmlformats.org/officeDocument/2006/relationships" type="line" r:blip="" zOrderOff="-99999">
+            <dgm:adjLst/>
+          </dgm:shape>
+          <dgm:presOf/>
+        </dgm:layoutNode>
+      </dgm:layoutNode>
+      <dgm:choose name="Name10">
+        <dgm:if name="Name11" axis="ch" ptType="node" st="2" cnt="1" func="cnt" op="gte" val="1">
+          <dgm:layoutNode name="Child" styleLbl="revTx">
+            <dgm:varLst>
+              <dgm:chMax val="0"/>
+              <dgm:chPref val="0"/>
+              <dgm:bulletEnabled val="1"/>
+            </dgm:varLst>
+            <dgm:choose name="Name12">
+              <dgm:if name="Name13" func="var" arg="dir" op="equ" val="norm">
+                <dgm:alg type="tx">
+                  <dgm:param type="stBulletLvl" val="1"/>
+                  <dgm:param type="parTxLTRAlign" val="l"/>
+                  <dgm:param type="parTxRTLAlign" val="l"/>
+                  <dgm:param type="txAnchorVert" val="t"/>
+                </dgm:alg>
+              </dgm:if>
+              <dgm:else name="Name14">
+                <dgm:alg type="tx">
+                  <dgm:param type="stBulletLvl" val="1"/>
+                  <dgm:param type="parTxLTRAlign" val="r"/>
+                  <dgm:param type="shpTxLTRAlignCh" val="r"/>
+                  <dgm:param type="txAnchorVert" val="t"/>
+                  <dgm:param type="parTxRTLAlign" val="r"/>
+                </dgm:alg>
+              </dgm:else>
+            </dgm:choose>
+            <dgm:shape xmlns:r="http://schemas.openxmlformats.org/officeDocument/2006/relationships" type="rect" r:blip="">
+              <dgm:adjLst/>
+            </dgm:shape>
+            <dgm:presOf axis="ch desOrSelf" ptType="node node" st="2 1" cnt="0 0"/>
+            <dgm:constrLst>
+              <dgm:constr type="lMarg" refType="primFontSz" fact="0.15"/>
+              <dgm:constr type="rMarg" refType="primFontSz" fact="0.15"/>
+              <dgm:constr type="tMarg" refType="primFontSz" fact="0.15"/>
+              <dgm:constr type="bMarg" refType="primFontSz" fact="0.15"/>
+            </dgm:constrLst>
+            <dgm:ruleLst>
+              <dgm:rule type="primFontSz" val="5" fact="NaN" max="NaN"/>
+            </dgm:ruleLst>
+          </dgm:layoutNode>
+        </dgm:if>
+        <dgm:else name="Name15"/>
+      </dgm:choose>
+      <dgm:forEach name="sibTransForEach" axis="followSib" ptType="sibTrans" cnt="1">
+        <dgm:layoutNode name="sibTrans">
+          <dgm:alg type="sp"/>
+          <dgm:shape xmlns:r="http://schemas.openxmlformats.org/officeDocument/2006/relationships" r:blip="">
+            <dgm:adjLst/>
+          </dgm:shape>
+        </dgm:layoutNode>
+      </dgm:forEach>
+    </dgm:forEach>
+  </dgm:layoutNode>
+</dgm:layoutDef>
+</file>
+
+<file path=ppt/diagrams/quickStyle1.xml><?xml version="1.0" encoding="utf-8"?>
+<dgm:styleDef xmlns:dgm="http://schemas.openxmlformats.org/drawingml/2006/diagram" xmlns:a="http://schemas.openxmlformats.org/drawingml/2006/main" uniqueId="urn:microsoft.com/office/officeart/2005/8/quickstyle/simple1">
+  <dgm:title val=""/>
+  <dgm:desc val=""/>
+  <dgm:catLst>
+    <dgm:cat type="simple" pri="10100"/>
+  </dgm:catLst>
+  <dgm:scene3d>
+    <a:camera prst="orthographicFront"/>
+    <a:lightRig rig="threePt" dir="t"/>
+  </dgm:scene3d>
+  <dgm:styleLbl name="node0">
+    <dgm:scene3d>
+      <a:camera prst="orthographicFront"/>
+      <a:lightRig rig="threePt" dir="t"/>
+    </dgm:scene3d>
+    <dgm:sp3d/>
+    <dgm:txPr/>
+    <dgm:style>
+      <a:lnRef idx="2">
+        <a:scrgbClr r="0" g="0" b="0"/>
+      </a:lnRef>
+      <a:fillRef idx="1">
+        <a:scrgbClr r="0" g="0" b="0"/>
+      </a:fillRef>
+      <a:effectRef idx="0">
+        <a:scrgbClr r="0" g="0" b="0"/>
+      </a:effectRef>
+      <a:fontRef idx="minor">
+        <a:schemeClr val="lt1"/>
+      </a:fontRef>
+    </dgm:style>
+  </dgm:styleLbl>
+  <dgm:styleLbl name="lnNode1">
+    <dgm:scene3d>
+      <a:camera prst="orthographicFront"/>
+      <a:lightRig rig="threePt" dir="t"/>
+    </dgm:scene3d>
+    <dgm:sp3d/>
+    <dgm:txPr/>
+    <dgm:style>
+      <a:lnRef idx="2">
+        <a:scrgbClr r="0" g="0" b="0"/>
+      </a:lnRef>
+      <a:fillRef idx="1">
+        <a:scrgbClr r="0" g="0" b="0"/>
+      </a:fillRef>
+      <a:effectRef idx="0">
+        <a:scrgbClr r="0" g="0" b="0"/>
+      </a:effectRef>
+      <a:fontRef idx="minor">
+        <a:schemeClr val="lt1"/>
+      </a:fontRef>
+    </dgm:style>
+  </dgm:styleLbl>
+  <dgm:styleLbl name="vennNode1">
+    <dgm:scene3d>
+      <a:camera prst="orthographicFront"/>
+      <a:lightRig rig="threePt" dir="t"/>
+    </dgm:scene3d>
+    <dgm:sp3d/>
+    <dgm:txPr/>
+    <dgm:style>
+      <a:lnRef idx="2">
+        <a:scrgbClr r="0" g="0" b="0"/>
+      </a:lnRef>
+      <a:fillRef idx="1">
+        <a:scrgbClr r="0" g="0" b="0"/>
+      </a:fillRef>
+      <a:effectRef idx="0">
+        <a:scrgbClr r="0" g="0" b="0"/>
+      </a:effectRef>
+      <a:fontRef idx="minor">
+        <a:schemeClr val="tx1"/>
+      </a:fontRef>
+    </dgm:style>
+  </dgm:styleLbl>
+  <dgm:styleLbl name="alignNode1">
+    <dgm:scene3d>
+      <a:camera prst="orthographicFront"/>
+      <a:lightRig rig="threePt" dir="t"/>
+    </dgm:scene3d>
+    <dgm:sp3d/>
+    <dgm:txPr/>
+    <dgm:style>
+      <a:lnRef idx="2">
+        <a:scrgbClr r="0" g="0" b="0"/>
+      </a:lnRef>
+      <a:fillRef idx="1">
+        <a:scrgbClr r="0" g="0" b="0"/>
+      </a:fillRef>
+      <a:effectRef idx="0">
+        <a:scrgbClr r="0" g="0" b="0"/>
+      </a:effectRef>
+      <a:fontRef idx="minor">
+        <a:schemeClr val="lt1"/>
+      </a:fontRef>
+    </dgm:style>
+  </dgm:styleLbl>
+  <dgm:styleLbl name="node1">
+    <dgm:scene3d>
+      <a:camera prst="orthographicFront"/>
+      <a:lightRig rig="threePt" dir="t"/>
+    </dgm:scene3d>
+    <dgm:sp3d/>
+    <dgm:txPr/>
+    <dgm:style>
+      <a:lnRef idx="2">
+        <a:scrgbClr r="0" g="0" b="0"/>
+      </a:lnRef>
+      <a:fillRef idx="1">
+        <a:scrgbClr r="0" g="0" b="0"/>
+      </a:fillRef>
+      <a:effectRef idx="0">
+        <a:scrgbClr r="0" g="0" b="0"/>
+      </a:effectRef>
+      <a:fontRef idx="minor">
+        <a:schemeClr val="lt1"/>
+      </a:fontRef>
+    </dgm:style>
+  </dgm:styleLbl>
+  <dgm:styleLbl name="node2">
+    <dgm:scene3d>
+      <a:camera prst="orthographicFront"/>
+      <a:lightRig rig="threePt" dir="t"/>
+    </dgm:scene3d>
+    <dgm:sp3d/>
+    <dgm:txPr/>
+    <dgm:style>
+      <a:lnRef idx="2">
+        <a:scrgbClr r="0" g="0" b="0"/>
+      </a:lnRef>
+      <a:fillRef idx="1">
+        <a:scrgbClr r="0" g="0" b="0"/>
+      </a:fillRef>
+      <a:effectRef idx="0">
+        <a:scrgbClr r="0" g="0" b="0"/>
+      </a:effectRef>
+      <a:fontRef idx="minor">
+        <a:schemeClr val="lt1"/>
+      </a:fontRef>
+    </dgm:style>
+  </dgm:styleLbl>
+  <dgm:styleLbl name="node3">
+    <dgm:scene3d>
+      <a:camera prst="orthographicFront"/>
+      <a:lightRig rig="threePt" dir="t"/>
+    </dgm:scene3d>
+    <dgm:sp3d/>
+    <dgm:txPr/>
+    <dgm:style>
+      <a:lnRef idx="2">
+        <a:scrgbClr r="0" g="0" b="0"/>
+      </a:lnRef>
+      <a:fillRef idx="1">
+        <a:scrgbClr r="0" g="0" b="0"/>
+      </a:fillRef>
+      <a:effectRef idx="0">
+        <a:scrgbClr r="0" g="0" b="0"/>
+      </a:effectRef>
+      <a:fontRef idx="minor">
+        <a:schemeClr val="lt1"/>
+      </a:fontRef>
+    </dgm:style>
+  </dgm:styleLbl>
+  <dgm:styleLbl name="node4">
+    <dgm:scene3d>
+      <a:camera prst="orthographicFront"/>
+      <a:lightRig rig="threePt" dir="t"/>
+    </dgm:scene3d>
+    <dgm:sp3d/>
+    <dgm:txPr/>
+    <dgm:style>
+      <a:lnRef idx="2">
+        <a:scrgbClr r="0" g="0" b="0"/>
+      </a:lnRef>
+      <a:fillRef idx="1">
+        <a:scrgbClr r="0" g="0" b="0"/>
+      </a:fillRef>
+      <a:effectRef idx="0">
+        <a:scrgbClr r="0" g="0" b="0"/>
+      </a:effectRef>
+      <a:fontRef idx="minor">
+        <a:schemeClr val="lt1"/>
+      </a:fontRef>
+    </dgm:style>
+  </dgm:styleLbl>
+  <dgm:styleLbl name="fgImgPlace1">
+    <dgm:scene3d>
+      <a:camera prst="orthographicFront"/>
+      <a:lightRig rig="threePt" dir="t"/>
+    </dgm:scene3d>
+    <dgm:sp3d/>
+    <dgm:txPr/>
+    <dgm:style>
+      <a:lnRef idx="2">
+        <a:scrgbClr r="0" g="0" b="0"/>
+      </a:lnRef>
+      <a:fillRef idx="1">
+        <a:scrgbClr r="0" g="0" b="0"/>
+      </a:fillRef>
+      <a:effectRef idx="0">
+        <a:scrgbClr r="0" g="0" b="0"/>
+      </a:effectRef>
+      <a:fontRef idx="minor"/>
+    </dgm:style>
+  </dgm:styleLbl>
+  <dgm:styleLbl name="alignImgPlace1">
+    <dgm:scene3d>
+      <a:camera prst="orthographicFront"/>
+      <a:lightRig rig="threePt" dir="t"/>
+    </dgm:scene3d>
+    <dgm:sp3d/>
+    <dgm:txPr/>
+    <dgm:style>
+      <a:lnRef idx="2">
+        <a:scrgbClr r="0" g="0" b="0"/>
+      </a:lnRef>
+      <a:fillRef idx="1">
+        <a:scrgbClr r="0" g="0" b="0"/>
+      </a:fillRef>
+      <a:effectRef idx="0">
+        <a:scrgbClr r="0" g="0" b="0"/>
+      </a:effectRef>
+      <a:fontRef idx="minor"/>
+    </dgm:style>
+  </dgm:styleLbl>
+  <dgm:styleLbl name="bgImgPlace1">
+    <dgm:scene3d>
+      <a:camera prst="orthographicFront"/>
+      <a:lightRig rig="threePt" dir="t"/>
+    </dgm:scene3d>
+    <dgm:sp3d/>
+    <dgm:txPr/>
+    <dgm:style>
+      <a:lnRef idx="2">
+        <a:scrgbClr r="0" g="0" b="0"/>
+      </a:lnRef>
+      <a:fillRef idx="1">
+        <a:scrgbClr r="0" g="0" b="0"/>
+      </a:fillRef>
+      <a:effectRef idx="0">
+        <a:scrgbClr r="0" g="0" b="0"/>
+      </a:effectRef>
+      <a:fontRef idx="minor"/>
+    </dgm:style>
+  </dgm:styleLbl>
+  <dgm:styleLbl name="sibTrans2D1">
+    <dgm:scene3d>
+      <a:camera prst="orthographicFront"/>
+      <a:lightRig rig="threePt" dir="t"/>
+    </dgm:scene3d>
+    <dgm:sp3d/>
+    <dgm:txPr/>
+    <dgm:style>
+      <a:lnRef idx="0">
+        <a:scrgbClr r="0" g="0" b="0"/>
+      </a:lnRef>
+      <a:fillRef idx="1">
+        <a:scrgbClr r="0" g="0" b="0"/>
+      </a:fillRef>
+      <a:effectRef idx="0">
+        <a:scrgbClr r="0" g="0" b="0"/>
+      </a:effectRef>
+      <a:fontRef idx="minor">
+        <a:schemeClr val="lt1"/>
+      </a:fontRef>
+    </dgm:style>
+  </dgm:styleLbl>
+  <dgm:styleLbl name="fgSibTrans2D1">
+    <dgm:scene3d>
+      <a:camera prst="orthographicFront"/>
+      <a:lightRig rig="threePt" dir="t"/>
+    </dgm:scene3d>
+    <dgm:sp3d/>
+    <dgm:txPr/>
+    <dgm:style>
+      <a:lnRef idx="0">
+        <a:scrgbClr r="0" g="0" b="0"/>
+      </a:lnRef>
+      <a:fillRef idx="1">
+        <a:scrgbClr r="0" g="0" b="0"/>
+      </a:fillRef>
+      <a:effectRef idx="0">
+        <a:scrgbClr r="0" g="0" b="0"/>
+      </a:effectRef>
+      <a:fontRef idx="minor">
+        <a:schemeClr val="lt1"/>
+      </a:fontRef>
+    </dgm:style>
+  </dgm:styleLbl>
+  <dgm:styleLbl name="bgSibTrans2D1">
+    <dgm:scene3d>
+      <a:camera prst="orthographicFront"/>
+      <a:lightRig rig="threePt" dir="t"/>
+    </dgm:scene3d>
+    <dgm:sp3d/>
+    <dgm:txPr/>
+    <dgm:style>
+      <a:lnRef idx="0">
+        <a:scrgbClr r="0" g="0" b="0"/>
+      </a:lnRef>
+      <a:fillRef idx="1">
+        <a:scrgbClr r="0" g="0" b="0"/>
+      </a:fillRef>
+      <a:effectRef idx="0">
+        <a:scrgbClr r="0" g="0" b="0"/>
+      </a:effectRef>
+      <a:fontRef idx="minor">
+        <a:schemeClr val="lt1"/>
+      </a:fontRef>
+    </dgm:style>
+  </dgm:styleLbl>
+  <dgm:styleLbl name="sibTrans1D1">
+    <dgm:scene3d>
+      <a:camera prst="orthographicFront"/>
+      <a:lightRig rig="threePt" dir="t"/>
+    </dgm:scene3d>
+    <dgm:sp3d/>
+    <dgm:txPr/>
+    <dgm:style>
+      <a:lnRef idx="1">
+        <a:scrgbClr r="0" g="0" b="0"/>
+      </a:lnRef>
+      <a:fillRef idx="0">
+        <a:scrgbClr r="0" g="0" b="0"/>
+      </a:fillRef>
+      <a:effectRef idx="0">
+        <a:scrgbClr r="0" g="0" b="0"/>
+      </a:effectRef>
+      <a:fontRef idx="minor"/>
+    </dgm:style>
+  </dgm:styleLbl>
+  <dgm:styleLbl name="callout">
+    <dgm:scene3d>
+      <a:camera prst="orthographicFront"/>
+      <a:lightRig rig="threePt" dir="t"/>
+    </dgm:scene3d>
+    <dgm:sp3d/>
+    <dgm:txPr/>
+    <dgm:style>
+      <a:lnRef idx="2">
+        <a:scrgbClr r="0" g="0" b="0"/>
+      </a:lnRef>
+      <a:fillRef idx="1">
+        <a:scrgbClr r="0" g="0" b="0"/>
+      </a:fillRef>
+      <a:effectRef idx="0">
+        <a:scrgbClr r="0" g="0" b="0"/>
+      </a:effectRef>
+      <a:fontRef idx="minor"/>
+    </dgm:style>
+  </dgm:styleLbl>
+  <dgm:styleLbl name="asst0">
+    <dgm:scene3d>
+      <a:camera prst="orthographicFront"/>
+      <a:lightRig rig="threePt" dir="t"/>
+    </dgm:scene3d>
+    <dgm:sp3d/>
+    <dgm:txPr/>
+    <dgm:style>
+      <a:lnRef idx="2">
+        <a:scrgbClr r="0" g="0" b="0"/>
+      </a:lnRef>
+      <a:fillRef idx="1">
+        <a:scrgbClr r="0" g="0" b="0"/>
+      </a:fillRef>
+      <a:effectRef idx="0">
+        <a:scrgbClr r="0" g="0" b="0"/>
+      </a:effectRef>
+      <a:fontRef idx="minor">
+        <a:schemeClr val="lt1"/>
+      </a:fontRef>
+    </dgm:style>
+  </dgm:styleLbl>
+  <dgm:styleLbl name="asst1">
+    <dgm:scene3d>
+      <a:camera prst="orthographicFront"/>
+      <a:lightRig rig="threePt" dir="t"/>
+    </dgm:scene3d>
+    <dgm:sp3d/>
+    <dgm:txPr/>
+    <dgm:style>
+      <a:lnRef idx="2">
+        <a:scrgbClr r="0" g="0" b="0"/>
+      </a:lnRef>
+      <a:fillRef idx="1">
+        <a:scrgbClr r="0" g="0" b="0"/>
+      </a:fillRef>
+      <a:effectRef idx="0">
+        <a:scrgbClr r="0" g="0" b="0"/>
+      </a:effectRef>
+      <a:fontRef idx="minor">
+        <a:schemeClr val="lt1"/>
+      </a:fontRef>
+    </dgm:style>
+  </dgm:styleLbl>
+  <dgm:styleLbl name="asst2">
+    <dgm:scene3d>
+      <a:camera prst="orthographicFront"/>
+      <a:lightRig rig="threePt" dir="t"/>
+    </dgm:scene3d>
+    <dgm:sp3d/>
+    <dgm:txPr/>
+    <dgm:style>
+      <a:lnRef idx="2">
+        <a:scrgbClr r="0" g="0" b="0"/>
+      </a:lnRef>
+      <a:fillRef idx="1">
+        <a:scrgbClr r="0" g="0" b="0"/>
+      </a:fillRef>
+      <a:effectRef idx="0">
+        <a:scrgbClr r="0" g="0" b="0"/>
+      </a:effectRef>
+      <a:fontRef idx="minor">
+        <a:schemeClr val="lt1"/>
+      </a:fontRef>
+    </dgm:style>
+  </dgm:styleLbl>
+  <dgm:styleLbl name="asst3">
+    <dgm:scene3d>
+      <a:camera prst="orthographicFront"/>
+      <a:lightRig rig="threePt" dir="t"/>
+    </dgm:scene3d>
+    <dgm:sp3d/>
+    <dgm:txPr/>
+    <dgm:style>
+      <a:lnRef idx="2">
+        <a:scrgbClr r="0" g="0" b="0"/>
+      </a:lnRef>
+      <a:fillRef idx="1">
+        <a:scrgbClr r="0" g="0" b="0"/>
+      </a:fillRef>
+      <a:effectRef idx="0">
+        <a:scrgbClr r="0" g="0" b="0"/>
+      </a:effectRef>
+      <a:fontRef idx="minor">
+        <a:schemeClr val="lt1"/>
+      </a:fontRef>
+    </dgm:style>
+  </dgm:styleLbl>
+  <dgm:styleLbl name="asst4">
+    <dgm:scene3d>
+      <a:camera prst="orthographicFront"/>
+      <a:lightRig rig="threePt" dir="t"/>
+    </dgm:scene3d>
+    <dgm:sp3d/>
+    <dgm:txPr/>
+    <dgm:style>
+      <a:lnRef idx="2">
+        <a:scrgbClr r="0" g="0" b="0"/>
+      </a:lnRef>
+      <a:fillRef idx="1">
+        <a:scrgbClr r="0" g="0" b="0"/>
+      </a:fillRef>
+      <a:effectRef idx="0">
+        <a:scrgbClr r="0" g="0" b="0"/>
+      </a:effectRef>
+      <a:fontRef idx="minor">
+        <a:schemeClr val="lt1"/>
+      </a:fontRef>
+    </dgm:style>
+  </dgm:styleLbl>
+  <dgm:styleLbl name="parChTrans2D1">
+    <dgm:scene3d>
+      <a:camera prst="orthographicFront"/>
+      <a:lightRig rig="threePt" dir="t"/>
+    </dgm:scene3d>
+    <dgm:sp3d/>
+    <dgm:txPr/>
+    <dgm:style>
+      <a:lnRef idx="2">
+        <a:scrgbClr r="0" g="0" b="0"/>
+      </a:lnRef>
+      <a:fillRef idx="1">
+        <a:scrgbClr r="0" g="0" b="0"/>
+      </a:fillRef>
+      <a:effectRef idx="0">
+        <a:scrgbClr r="0" g="0" b="0"/>
+      </a:effectRef>
+      <a:fontRef idx="minor">
+        <a:schemeClr val="lt1"/>
+      </a:fontRef>
+    </dgm:style>
+  </dgm:styleLbl>
+  <dgm:styleLbl name="parChTrans2D2">
+    <dgm:scene3d>
+      <a:camera prst="orthographicFront"/>
+      <a:lightRig rig="threePt" dir="t"/>
+    </dgm:scene3d>
+    <dgm:sp3d/>
+    <dgm:txPr/>
+    <dgm:style>
+      <a:lnRef idx="2">
+        <a:scrgbClr r="0" g="0" b="0"/>
+      </a:lnRef>
+      <a:fillRef idx="1">
+        <a:scrgbClr r="0" g="0" b="0"/>
+      </a:fillRef>
+      <a:effectRef idx="0">
+        <a:scrgbClr r="0" g="0" b="0"/>
+      </a:effectRef>
+      <a:fontRef idx="minor">
+        <a:schemeClr val="lt1"/>
+      </a:fontRef>
+    </dgm:style>
+  </dgm:styleLbl>
+  <dgm:styleLbl name="parChTrans2D3">
+    <dgm:scene3d>
+      <a:camera prst="orthographicFront"/>
+      <a:lightRig rig="threePt" dir="t"/>
+    </dgm:scene3d>
+    <dgm:sp3d/>
+    <dgm:txPr/>
+    <dgm:style>
+      <a:lnRef idx="2">
+        <a:scrgbClr r="0" g="0" b="0"/>
+      </a:lnRef>
+      <a:fillRef idx="1">
+        <a:scrgbClr r="0" g="0" b="0"/>
+      </a:fillRef>
+      <a:effectRef idx="0">
+        <a:scrgbClr r="0" g="0" b="0"/>
+      </a:effectRef>
+      <a:fontRef idx="minor">
+        <a:schemeClr val="lt1"/>
+      </a:fontRef>
+    </dgm:style>
+  </dgm:styleLbl>
+  <dgm:styleLbl name="parChTrans2D4">
+    <dgm:scene3d>
+      <a:camera prst="orthographicFront"/>
+      <a:lightRig rig="threePt" dir="t"/>
+    </dgm:scene3d>
+    <dgm:sp3d/>
+    <dgm:txPr/>
+    <dgm:style>
+      <a:lnRef idx="2">
+        <a:scrgbClr r="0" g="0" b="0"/>
+      </a:lnRef>
+      <a:fillRef idx="1">
+        <a:scrgbClr r="0" g="0" b="0"/>
+      </a:fillRef>
+      <a:effectRef idx="0">
+        <a:scrgbClr r="0" g="0" b="0"/>
+      </a:effectRef>
+      <a:fontRef idx="minor">
+        <a:schemeClr val="lt1"/>
+      </a:fontRef>
+    </dgm:style>
+  </dgm:styleLbl>
+  <dgm:styleLbl name="parChTrans1D1">
+    <dgm:scene3d>
+      <a:camera prst="orthographicFront"/>
+      <a:lightRig rig="threePt" dir="t"/>
+    </dgm:scene3d>
+    <dgm:sp3d/>
+    <dgm:txPr/>
+    <dgm:style>
+      <a:lnRef idx="2">
+        <a:scrgbClr r="0" g="0" b="0"/>
+      </a:lnRef>
+      <a:fillRef idx="0">
+        <a:scrgbClr r="0" g="0" b="0"/>
+      </a:fillRef>
+      <a:effectRef idx="0">
+        <a:scrgbClr r="0" g="0" b="0"/>
+      </a:effectRef>
+      <a:fontRef idx="minor"/>
+    </dgm:style>
+  </dgm:styleLbl>
+  <dgm:styleLbl name="parChTrans1D2">
+    <dgm:scene3d>
+      <a:camera prst="orthographicFront"/>
+      <a:lightRig rig="threePt" dir="t"/>
+    </dgm:scene3d>
+    <dgm:sp3d/>
+    <dgm:txPr/>
+    <dgm:style>
+      <a:lnRef idx="2">
+        <a:scrgbClr r="0" g="0" b="0"/>
+      </a:lnRef>
+      <a:fillRef idx="0">
+        <a:scrgbClr r="0" g="0" b="0"/>
+      </a:fillRef>
+      <a:effectRef idx="0">
+        <a:scrgbClr r="0" g="0" b="0"/>
+      </a:effectRef>
+      <a:fontRef idx="minor"/>
+    </dgm:style>
+  </dgm:styleLbl>
+  <dgm:styleLbl name="parChTrans1D3">
+    <dgm:scene3d>
+      <a:camera prst="orthographicFront"/>
+      <a:lightRig rig="threePt" dir="t"/>
+    </dgm:scene3d>
+    <dgm:sp3d/>
+    <dgm:txPr/>
+    <dgm:style>
+      <a:lnRef idx="2">
+        <a:scrgbClr r="0" g="0" b="0"/>
+      </a:lnRef>
+      <a:fillRef idx="0">
+        <a:scrgbClr r="0" g="0" b="0"/>
+      </a:fillRef>
+      <a:effectRef idx="0">
+        <a:scrgbClr r="0" g="0" b="0"/>
+      </a:effectRef>
+      <a:fontRef idx="minor"/>
+    </dgm:style>
+  </dgm:styleLbl>
+  <dgm:styleLbl name="parChTrans1D4">
+    <dgm:scene3d>
+      <a:camera prst="orthographicFront"/>
+      <a:lightRig rig="threePt" dir="t"/>
+    </dgm:scene3d>
+    <dgm:sp3d/>
+    <dgm:txPr/>
+    <dgm:style>
+      <a:lnRef idx="2">
+        <a:scrgbClr r="0" g="0" b="0"/>
+      </a:lnRef>
+      <a:fillRef idx="0">
+        <a:scrgbClr r="0" g="0" b="0"/>
+      </a:fillRef>
+      <a:effectRef idx="0">
+        <a:scrgbClr r="0" g="0" b="0"/>
+      </a:effectRef>
+      <a:fontRef idx="minor"/>
+    </dgm:style>
+  </dgm:styleLbl>
+  <dgm:styleLbl name="fgAcc1">
+    <dgm:scene3d>
+      <a:camera prst="orthographicFront"/>
+      <a:lightRig rig="threePt" dir="t"/>
+    </dgm:scene3d>
+    <dgm:sp3d/>
+    <dgm:txPr/>
+    <dgm:style>
+      <a:lnRef idx="2">
+        <a:scrgbClr r="0" g="0" b="0"/>
+      </a:lnRef>
+      <a:fillRef idx="1">
+        <a:scrgbClr r="0" g="0" b="0"/>
+      </a:fillRef>
+      <a:effectRef idx="0">
+        <a:scrgbClr r="0" g="0" b="0"/>
+      </a:effectRef>
+      <a:fontRef idx="minor"/>
+    </dgm:style>
+  </dgm:styleLbl>
+  <dgm:styleLbl name="conFgAcc1">
+    <dgm:scene3d>
+      <a:camera prst="orthographicFront"/>
+      <a:lightRig rig="threePt" dir="t"/>
+    </dgm:scene3d>
+    <dgm:sp3d/>
+    <dgm:txPr/>
+    <dgm:style>
+      <a:lnRef idx="2">
+        <a:scrgbClr r="0" g="0" b="0"/>
+      </a:lnRef>
+      <a:fillRef idx="1">
+        <a:scrgbClr r="0" g="0" b="0"/>
+      </a:fillRef>
+      <a:effectRef idx="0">
+        <a:scrgbClr r="0" g="0" b="0"/>
+      </a:effectRef>
+      <a:fontRef idx="minor"/>
+    </dgm:style>
+  </dgm:styleLbl>
+  <dgm:styleLbl name="alignAcc1">
+    <dgm:scene3d>
+      <a:camera prst="orthographicFront"/>
+      <a:lightRig rig="threePt" dir="t"/>
+    </dgm:scene3d>
+    <dgm:sp3d/>
+    <dgm:txPr/>
+    <dgm:style>
+      <a:lnRef idx="2">
+        <a:scrgbClr r="0" g="0" b="0"/>
+      </a:lnRef>
+      <a:fillRef idx="1">
+        <a:scrgbClr r="0" g="0" b="0"/>
+      </a:fillRef>
+      <a:effectRef idx="0">
+        <a:scrgbClr r="0" g="0" b="0"/>
+      </a:effectRef>
+      <a:fontRef idx="minor"/>
+    </dgm:style>
+  </dgm:styleLbl>
+  <dgm:styleLbl name="trAlignAcc1">
+    <dgm:scene3d>
+      <a:camera prst="orthographicFront"/>
+      <a:lightRig rig="threePt" dir="t"/>
+    </dgm:scene3d>
+    <dgm:sp3d/>
+    <dgm:txPr/>
+    <dgm:style>
+      <a:lnRef idx="1">
+        <a:scrgbClr r="0" g="0" b="0"/>
+      </a:lnRef>
+      <a:fillRef idx="1">
+        <a:scrgbClr r="0" g="0" b="0"/>
+      </a:fillRef>
+      <a:effectRef idx="0">
+        <a:scrgbClr r="0" g="0" b="0"/>
+      </a:effectRef>
+      <a:fontRef idx="minor"/>
+    </dgm:style>
+  </dgm:styleLbl>
+  <dgm:styleLbl name="bgAcc1">
+    <dgm:scene3d>
+      <a:camera prst="orthographicFront"/>
+      <a:lightRig rig="threePt" dir="t"/>
+    </dgm:scene3d>
+    <dgm:sp3d/>
+    <dgm:txPr/>
+    <dgm:style>
+      <a:lnRef idx="2">
+        <a:scrgbClr r="0" g="0" b="0"/>
+      </a:lnRef>
+      <a:fillRef idx="1">
+        <a:scrgbClr r="0" g="0" b="0"/>
+      </a:fillRef>
+      <a:effectRef idx="0">
+        <a:scrgbClr r="0" g="0" b="0"/>
+      </a:effectRef>
+      <a:fontRef idx="minor"/>
+    </dgm:style>
+  </dgm:styleLbl>
+  <dgm:styleLbl name="solidFgAcc1">
+    <dgm:scene3d>
+      <a:camera prst="orthographicFront"/>
+      <a:lightRig rig="threePt" dir="t"/>
+    </dgm:scene3d>
+    <dgm:sp3d/>
+    <dgm:txPr/>
+    <dgm:style>
+      <a:lnRef idx="2">
+        <a:scrgbClr r="0" g="0" b="0"/>
+      </a:lnRef>
+      <a:fillRef idx="1">
+        <a:scrgbClr r="0" g="0" b="0"/>
+      </a:fillRef>
+      <a:effectRef idx="0">
+        <a:scrgbClr r="0" g="0" b="0"/>
+      </a:effectRef>
+      <a:fontRef idx="minor"/>
+    </dgm:style>
+  </dgm:styleLbl>
+  <dgm:styleLbl name="solidAlignAcc1">
+    <dgm:scene3d>
+      <a:camera prst="orthographicFront"/>
+      <a:lightRig rig="threePt" dir="t"/>
+    </dgm:scene3d>
+    <dgm:sp3d/>
+    <dgm:txPr/>
+    <dgm:style>
+      <a:lnRef idx="2">
+        <a:scrgbClr r="0" g="0" b="0"/>
+      </a:lnRef>
+      <a:fillRef idx="1">
+        <a:scrgbClr r="0" g="0" b="0"/>
+      </a:fillRef>
+      <a:effectRef idx="0">
+        <a:scrgbClr r="0" g="0" b="0"/>
+      </a:effectRef>
+      <a:fontRef idx="minor"/>
+    </dgm:style>
+  </dgm:styleLbl>
+  <dgm:styleLbl name="solidBgAcc1">
+    <dgm:scene3d>
+      <a:camera prst="orthographicFront"/>
+      <a:lightRig rig="threePt" dir="t"/>
+    </dgm:scene3d>
+    <dgm:sp3d/>
+    <dgm:txPr/>
+    <dgm:style>
+      <a:lnRef idx="2">
+        <a:scrgbClr r="0" g="0" b="0"/>
+      </a:lnRef>
+      <a:fillRef idx="1">
+        <a:scrgbClr r="0" g="0" b="0"/>
+      </a:fillRef>
+      <a:effectRef idx="0">
+        <a:scrgbClr r="0" g="0" b="0"/>
+      </a:effectRef>
+      <a:fontRef idx="minor"/>
+    </dgm:style>
+  </dgm:styleLbl>
+  <dgm:styleLbl name="fgAccFollowNode1">
+    <dgm:scene3d>
+      <a:camera prst="orthographicFront"/>
+      <a:lightRig rig="threePt" dir="t"/>
+    </dgm:scene3d>
+    <dgm:sp3d/>
+    <dgm:txPr/>
+    <dgm:style>
+      <a:lnRef idx="2">
+        <a:scrgbClr r="0" g="0" b="0"/>
+      </a:lnRef>
+      <a:fillRef idx="1">
+        <a:scrgbClr r="0" g="0" b="0"/>
+      </a:fillRef>
+      <a:effectRef idx="0">
+        <a:scrgbClr r="0" g="0" b="0"/>
+      </a:effectRef>
+      <a:fontRef idx="minor"/>
+    </dgm:style>
+  </dgm:styleLbl>
+  <dgm:styleLbl name="alignAccFollowNode1">
+    <dgm:scene3d>
+      <a:camera prst="orthographicFront"/>
+      <a:lightRig rig="threePt" dir="t"/>
+    </dgm:scene3d>
+    <dgm:sp3d/>
+    <dgm:txPr/>
+    <dgm:style>
+      <a:lnRef idx="2">
+        <a:scrgbClr r="0" g="0" b="0"/>
+      </a:lnRef>
+      <a:fillRef idx="1">
+        <a:scrgbClr r="0" g="0" b="0"/>
+      </a:fillRef>
+      <a:effectRef idx="0">
+        <a:scrgbClr r="0" g="0" b="0"/>
+      </a:effectRef>
+      <a:fontRef idx="minor"/>
+    </dgm:style>
+  </dgm:styleLbl>
+  <dgm:styleLbl name="bgAccFollowNode1">
+    <dgm:scene3d>
+      <a:camera prst="orthographicFront"/>
+      <a:lightRig rig="threePt" dir="t"/>
+    </dgm:scene3d>
+    <dgm:sp3d/>
+    <dgm:txPr/>
+    <dgm:style>
+      <a:lnRef idx="2">
+        <a:scrgbClr r="0" g="0" b="0"/>
+      </a:lnRef>
+      <a:fillRef idx="1">
+        <a:scrgbClr r="0" g="0" b="0"/>
+      </a:fillRef>
+      <a:effectRef idx="0">
+        <a:scrgbClr r="0" g="0" b="0"/>
+      </a:effectRef>
+      <a:fontRef idx="minor"/>
+    </dgm:style>
+  </dgm:styleLbl>
+  <dgm:styleLbl name="fgAcc0">
+    <dgm:scene3d>
+      <a:camera prst="orthographicFront"/>
+      <a:lightRig rig="threePt" dir="t"/>
+    </dgm:scene3d>
+    <dgm:sp3d/>
+    <dgm:txPr/>
+    <dgm:style>
+      <a:lnRef idx="2">
+        <a:scrgbClr r="0" g="0" b="0"/>
+      </a:lnRef>
+      <a:fillRef idx="1">
+        <a:scrgbClr r="0" g="0" b="0"/>
+      </a:fillRef>
+      <a:effectRef idx="0">
+        <a:scrgbClr r="0" g="0" b="0"/>
+      </a:effectRef>
+      <a:fontRef idx="minor"/>
+    </dgm:style>
+  </dgm:styleLbl>
+  <dgm:styleLbl name="fgAcc2">
+    <dgm:scene3d>
+      <a:camera prst="orthographicFront"/>
+      <a:lightRig rig="threePt" dir="t"/>
+    </dgm:scene3d>
+    <dgm:sp3d/>
+    <dgm:txPr/>
+    <dgm:style>
+      <a:lnRef idx="2">
+        <a:scrgbClr r="0" g="0" b="0"/>
+      </a:lnRef>
+      <a:fillRef idx="1">
+        <a:scrgbClr r="0" g="0" b="0"/>
+      </a:fillRef>
+      <a:effectRef idx="0">
+        <a:scrgbClr r="0" g="0" b="0"/>
+      </a:effectRef>
+      <a:fontRef idx="minor"/>
+    </dgm:style>
+  </dgm:styleLbl>
+  <dgm:styleLbl name="fgAcc3">
+    <dgm:scene3d>
+      <a:camera prst="orthographicFront"/>
+      <a:lightRig rig="threePt" dir="t"/>
+    </dgm:scene3d>
+    <dgm:sp3d/>
+    <dgm:txPr/>
+    <dgm:style>
+      <a:lnRef idx="2">
+        <a:scrgbClr r="0" g="0" b="0"/>
+      </a:lnRef>
+      <a:fillRef idx="1">
+        <a:scrgbClr r="0" g="0" b="0"/>
+      </a:fillRef>
+      <a:effectRef idx="0">
+        <a:scrgbClr r="0" g="0" b="0"/>
+      </a:effectRef>
+      <a:fontRef idx="minor"/>
+    </dgm:style>
+  </dgm:styleLbl>
+  <dgm:styleLbl name="fgAcc4">
+    <dgm:scene3d>
+      <a:camera prst="orthographicFront"/>
+      <a:lightRig rig="threePt" dir="t"/>
+    </dgm:scene3d>
+    <dgm:sp3d/>
+    <dgm:txPr/>
+    <dgm:style>
+      <a:lnRef idx="2">
+        <a:scrgbClr r="0" g="0" b="0"/>
+      </a:lnRef>
+      <a:fillRef idx="1">
+        <a:scrgbClr r="0" g="0" b="0"/>
+      </a:fillRef>
+      <a:effectRef idx="0">
+        <a:scrgbClr r="0" g="0" b="0"/>
+      </a:effectRef>
+      <a:fontRef idx="minor"/>
+    </dgm:style>
+  </dgm:styleLbl>
+  <dgm:styleLbl name="bgShp">
+    <dgm:scene3d>
+      <a:camera prst="orthographicFront"/>
+      <a:lightRig rig="threePt" dir="t"/>
+    </dgm:scene3d>
+    <dgm:sp3d/>
+    <dgm:txPr/>
+    <dgm:style>
+      <a:lnRef idx="0">
+        <a:scrgbClr r="0" g="0" b="0"/>
+      </a:lnRef>
+      <a:fillRef idx="1">
+        <a:scrgbClr r="0" g="0" b="0"/>
+      </a:fillRef>
+      <a:effectRef idx="0">
+        <a:scrgbClr r="0" g="0" b="0"/>
+      </a:effectRef>
+      <a:fontRef idx="minor"/>
+    </dgm:style>
+  </dgm:styleLbl>
+  <dgm:styleLbl name="dkBgShp">
+    <dgm:scene3d>
+      <a:camera prst="orthographicFront"/>
+      <a:lightRig rig="threePt" dir="t"/>
+    </dgm:scene3d>
+    <dgm:sp3d/>
+    <dgm:txPr/>
+    <dgm:style>
+      <a:lnRef idx="0">
+        <a:scrgbClr r="0" g="0" b="0"/>
+      </a:lnRef>
+      <a:fillRef idx="1">
+        <a:scrgbClr r="0" g="0" b="0"/>
+      </a:fillRef>
+      <a:effectRef idx="0">
+        <a:scrgbClr r="0" g="0" b="0"/>
+      </a:effectRef>
+      <a:fontRef idx="minor"/>
+    </dgm:style>
+  </dgm:styleLbl>
+  <dgm:styleLbl name="trBgShp">
+    <dgm:scene3d>
+      <a:camera prst="orthographicFront"/>
+      <a:lightRig rig="threePt" dir="t"/>
+    </dgm:scene3d>
+    <dgm:sp3d/>
+    <dgm:txPr/>
+    <dgm:style>
+      <a:lnRef idx="0">
+        <a:scrgbClr r="0" g="0" b="0"/>
+      </a:lnRef>
+      <a:fillRef idx="1">
+        <a:scrgbClr r="0" g="0" b="0"/>
+      </a:fillRef>
+      <a:effectRef idx="0">
+        <a:scrgbClr r="0" g="0" b="0"/>
+      </a:effectRef>
+      <a:fontRef idx="minor"/>
+    </dgm:style>
+  </dgm:styleLbl>
+  <dgm:styleLbl name="fgShp">
+    <dgm:scene3d>
+      <a:camera prst="orthographicFront"/>
+      <a:lightRig rig="threePt" dir="t"/>
+    </dgm:scene3d>
+    <dgm:sp3d/>
+    <dgm:txPr/>
+    <dgm:style>
+      <a:lnRef idx="2">
+        <a:scrgbClr r="0" g="0" b="0"/>
+      </a:lnRef>
+      <a:fillRef idx="1">
+        <a:scrgbClr r="0" g="0" b="0"/>
+      </a:fillRef>
+      <a:effectRef idx="0">
+        <a:scrgbClr r="0" g="0" b="0"/>
+      </a:effectRef>
+      <a:fontRef idx="minor"/>
+    </dgm:style>
+  </dgm:styleLbl>
+  <dgm:styleLbl name="revTx">
+    <dgm:scene3d>
+      <a:camera prst="orthographicFront"/>
+      <a:lightRig rig="threePt" dir="t"/>
+    </dgm:scene3d>
+    <dgm:sp3d/>
+    <dgm:txPr/>
+    <dgm:style>
+      <a:lnRef idx="0">
+        <a:scrgbClr r="0" g="0" b="0"/>
+      </a:lnRef>
+      <a:fillRef idx="0">
+        <a:scrgbClr r="0" g="0" b="0"/>
+      </a:fillRef>
+      <a:effectRef idx="0">
+        <a:scrgbClr r="0" g="0" b="0"/>
+      </a:effectRef>
+      <a:fontRef idx="minor"/>
+    </dgm:style>
+  </dgm:styleLbl>
+</dgm:styleDef>
+</file>
+
 <file path=ppt/slideLayouts/slideLayout1.xml><?xml version="1.0" encoding="utf-8"?>
 <p:sldLayout xmlns:a="http://schemas.openxmlformats.org/drawingml/2006/main" xmlns:r="http://schemas.openxmlformats.org/officeDocument/2006/relationships" xmlns:p="http://schemas.openxmlformats.org/presentationml/2006/main" showMasterSp="0" type="title" preserve="1">
   <p:cSld name="Title Slide">
@@ -260,7 +3708,7 @@
       </p:sp>
       <p:sp>
         <p:nvSpPr>
-          <p:cNvPr id="4" name="Date Placeholder 3"/>
+          <p:cNvPr id="4" name="Date Placeholder 3" hidden="1"/>
           <p:cNvSpPr>
             <a:spLocks noGrp="1"/>
           </p:cNvSpPr>
@@ -283,10 +3731,10 @@
             </a:lvl1pPr>
           </a:lstStyle>
           <a:p>
-            <a:fld id="{33FD142E-598B-4652-AD52-367E9887DAA9}" type="datetimeFigureOut">
+            <a:r>
               <a:rPr lang="en-IN" smtClean="0"/>
-              <a:t>02-05-2020</a:t>
-            </a:fld>
+              <a:t> </a:t>
+            </a:r>
             <a:endParaRPr lang="en-IN"/>
           </a:p>
         </p:txBody>
@@ -322,7 +3770,7 @@
       </p:sp>
       <p:sp>
         <p:nvSpPr>
-          <p:cNvPr id="6" name="Slide Number Placeholder 5"/>
+          <p:cNvPr id="6" name="Slide Number Placeholder 5" hidden="1"/>
           <p:cNvSpPr>
             <a:spLocks noGrp="1"/>
           </p:cNvSpPr>
@@ -345,10 +3793,10 @@
             </a:lvl1pPr>
           </a:lstStyle>
           <a:p>
-            <a:fld id="{04AF9177-8140-46E9-8058-94E92E8A0A51}" type="slidenum">
+            <a:r>
               <a:rPr lang="en-IN" smtClean="0"/>
-              <a:t>‹#›</a:t>
-            </a:fld>
+              <a:t> </a:t>
+            </a:r>
             <a:endParaRPr lang="en-IN"/>
           </a:p>
         </p:txBody>
@@ -498,7 +3946,7 @@
       </p:sp>
       <p:sp>
         <p:nvSpPr>
-          <p:cNvPr id="4" name="Date Placeholder 3"/>
+          <p:cNvPr id="4" name="Date Placeholder 3" hidden="1"/>
           <p:cNvSpPr>
             <a:spLocks noGrp="1"/>
           </p:cNvSpPr>
@@ -511,10 +3959,10 @@
           <a:bodyPr/>
           <a:lstStyle/>
           <a:p>
-            <a:fld id="{33FD142E-598B-4652-AD52-367E9887DAA9}" type="datetimeFigureOut">
+            <a:r>
               <a:rPr lang="en-IN" smtClean="0"/>
-              <a:t>02-05-2020</a:t>
-            </a:fld>
+              <a:t> </a:t>
+            </a:r>
             <a:endParaRPr lang="en-IN"/>
           </a:p>
         </p:txBody>
@@ -540,7 +3988,7 @@
       </p:sp>
       <p:sp>
         <p:nvSpPr>
-          <p:cNvPr id="6" name="Slide Number Placeholder 5"/>
+          <p:cNvPr id="6" name="Slide Number Placeholder 5" hidden="1"/>
           <p:cNvSpPr>
             <a:spLocks noGrp="1"/>
           </p:cNvSpPr>
@@ -553,10 +4001,10 @@
           <a:bodyPr/>
           <a:lstStyle/>
           <a:p>
-            <a:fld id="{04AF9177-8140-46E9-8058-94E92E8A0A51}" type="slidenum">
+            <a:r>
               <a:rPr lang="en-IN" smtClean="0"/>
-              <a:t>‹#›</a:t>
-            </a:fld>
+              <a:t> </a:t>
+            </a:r>
             <a:endParaRPr lang="en-IN"/>
           </a:p>
         </p:txBody>
@@ -678,7 +4126,7 @@
       </p:sp>
       <p:sp>
         <p:nvSpPr>
-          <p:cNvPr id="4" name="Date Placeholder 3"/>
+          <p:cNvPr id="4" name="Date Placeholder 3" hidden="1"/>
           <p:cNvSpPr>
             <a:spLocks noGrp="1"/>
           </p:cNvSpPr>
@@ -691,10 +4139,10 @@
           <a:bodyPr/>
           <a:lstStyle/>
           <a:p>
-            <a:fld id="{33FD142E-598B-4652-AD52-367E9887DAA9}" type="datetimeFigureOut">
+            <a:r>
               <a:rPr lang="en-IN" smtClean="0"/>
-              <a:t>02-05-2020</a:t>
-            </a:fld>
+              <a:t> </a:t>
+            </a:r>
             <a:endParaRPr lang="en-IN"/>
           </a:p>
         </p:txBody>
@@ -720,7 +4168,7 @@
       </p:sp>
       <p:sp>
         <p:nvSpPr>
-          <p:cNvPr id="6" name="Slide Number Placeholder 5"/>
+          <p:cNvPr id="6" name="Slide Number Placeholder 5" hidden="1"/>
           <p:cNvSpPr>
             <a:spLocks noGrp="1"/>
           </p:cNvSpPr>
@@ -733,10 +4181,10 @@
           <a:bodyPr/>
           <a:lstStyle/>
           <a:p>
-            <a:fld id="{04AF9177-8140-46E9-8058-94E92E8A0A51}" type="slidenum">
+            <a:r>
               <a:rPr lang="en-IN" smtClean="0"/>
-              <a:t>‹#›</a:t>
-            </a:fld>
+              <a:t> </a:t>
+            </a:r>
             <a:endParaRPr lang="en-IN"/>
           </a:p>
         </p:txBody>
@@ -848,7 +4296,7 @@
       </p:sp>
       <p:sp>
         <p:nvSpPr>
-          <p:cNvPr id="4" name="Date Placeholder 3"/>
+          <p:cNvPr id="4" name="Date Placeholder 3" hidden="1"/>
           <p:cNvSpPr>
             <a:spLocks noGrp="1"/>
           </p:cNvSpPr>
@@ -861,10 +4309,10 @@
           <a:bodyPr/>
           <a:lstStyle/>
           <a:p>
-            <a:fld id="{33FD142E-598B-4652-AD52-367E9887DAA9}" type="datetimeFigureOut">
+            <a:r>
               <a:rPr lang="en-IN" smtClean="0"/>
-              <a:t>02-05-2020</a:t>
-            </a:fld>
+              <a:t> </a:t>
+            </a:r>
             <a:endParaRPr lang="en-IN"/>
           </a:p>
         </p:txBody>
@@ -890,7 +4338,7 @@
       </p:sp>
       <p:sp>
         <p:nvSpPr>
-          <p:cNvPr id="6" name="Slide Number Placeholder 5"/>
+          <p:cNvPr id="6" name="Slide Number Placeholder 5" hidden="1"/>
           <p:cNvSpPr>
             <a:spLocks noGrp="1"/>
           </p:cNvSpPr>
@@ -903,10 +4351,10 @@
           <a:bodyPr/>
           <a:lstStyle/>
           <a:p>
-            <a:fld id="{04AF9177-8140-46E9-8058-94E92E8A0A51}" type="slidenum">
+            <a:r>
               <a:rPr lang="en-IN" smtClean="0"/>
-              <a:t>‹#›</a:t>
-            </a:fld>
+              <a:t> </a:t>
+            </a:r>
             <a:endParaRPr lang="en-IN"/>
           </a:p>
         </p:txBody>
@@ -1102,7 +4550,7 @@
       </p:sp>
       <p:sp>
         <p:nvSpPr>
-          <p:cNvPr id="4" name="Date Placeholder 3"/>
+          <p:cNvPr id="4" name="Date Placeholder 3" hidden="1"/>
           <p:cNvSpPr>
             <a:spLocks noGrp="1"/>
           </p:cNvSpPr>
@@ -1115,10 +4563,10 @@
           <a:bodyPr/>
           <a:lstStyle/>
           <a:p>
-            <a:fld id="{33FD142E-598B-4652-AD52-367E9887DAA9}" type="datetimeFigureOut">
+            <a:r>
               <a:rPr lang="en-IN" smtClean="0"/>
-              <a:t>02-05-2020</a:t>
-            </a:fld>
+              <a:t> </a:t>
+            </a:r>
             <a:endParaRPr lang="en-IN"/>
           </a:p>
         </p:txBody>
@@ -1144,7 +4592,7 @@
       </p:sp>
       <p:sp>
         <p:nvSpPr>
-          <p:cNvPr id="6" name="Slide Number Placeholder 5"/>
+          <p:cNvPr id="6" name="Slide Number Placeholder 5" hidden="1"/>
           <p:cNvSpPr>
             <a:spLocks noGrp="1"/>
           </p:cNvSpPr>
@@ -1157,10 +4605,10 @@
           <a:bodyPr/>
           <a:lstStyle/>
           <a:p>
-            <a:fld id="{04AF9177-8140-46E9-8058-94E92E8A0A51}" type="slidenum">
+            <a:r>
               <a:rPr lang="en-IN" smtClean="0"/>
-              <a:t>‹#›</a:t>
-            </a:fld>
+              <a:t> </a:t>
+            </a:r>
             <a:endParaRPr lang="en-IN"/>
           </a:p>
         </p:txBody>
@@ -1428,7 +4876,7 @@
       </p:sp>
       <p:sp>
         <p:nvSpPr>
-          <p:cNvPr id="5" name="Date Placeholder 4"/>
+          <p:cNvPr id="5" name="Date Placeholder 4" hidden="1"/>
           <p:cNvSpPr>
             <a:spLocks noGrp="1"/>
           </p:cNvSpPr>
@@ -1441,10 +4889,10 @@
           <a:bodyPr/>
           <a:lstStyle/>
           <a:p>
-            <a:fld id="{33FD142E-598B-4652-AD52-367E9887DAA9}" type="datetimeFigureOut">
+            <a:r>
               <a:rPr lang="en-IN" smtClean="0"/>
-              <a:t>02-05-2020</a:t>
-            </a:fld>
+              <a:t> </a:t>
+            </a:r>
             <a:endParaRPr lang="en-IN"/>
           </a:p>
         </p:txBody>
@@ -1470,7 +4918,7 @@
       </p:sp>
       <p:sp>
         <p:nvSpPr>
-          <p:cNvPr id="7" name="Slide Number Placeholder 6"/>
+          <p:cNvPr id="7" name="Slide Number Placeholder 6" hidden="1"/>
           <p:cNvSpPr>
             <a:spLocks noGrp="1"/>
           </p:cNvSpPr>
@@ -1483,10 +4931,10 @@
           <a:bodyPr/>
           <a:lstStyle/>
           <a:p>
-            <a:fld id="{04AF9177-8140-46E9-8058-94E92E8A0A51}" type="slidenum">
+            <a:r>
               <a:rPr lang="en-IN" smtClean="0"/>
-              <a:t>‹#›</a:t>
-            </a:fld>
+              <a:t> </a:t>
+            </a:r>
             <a:endParaRPr lang="en-IN"/>
           </a:p>
         </p:txBody>
@@ -1879,7 +5327,7 @@
       </p:sp>
       <p:sp>
         <p:nvSpPr>
-          <p:cNvPr id="7" name="Date Placeholder 6"/>
+          <p:cNvPr id="7" name="Date Placeholder 6" hidden="1"/>
           <p:cNvSpPr>
             <a:spLocks noGrp="1"/>
           </p:cNvSpPr>
@@ -1892,10 +5340,10 @@
           <a:bodyPr/>
           <a:lstStyle/>
           <a:p>
-            <a:fld id="{33FD142E-598B-4652-AD52-367E9887DAA9}" type="datetimeFigureOut">
+            <a:r>
               <a:rPr lang="en-IN" smtClean="0"/>
-              <a:t>02-05-2020</a:t>
-            </a:fld>
+              <a:t> </a:t>
+            </a:r>
             <a:endParaRPr lang="en-IN"/>
           </a:p>
         </p:txBody>
@@ -1921,7 +5369,7 @@
       </p:sp>
       <p:sp>
         <p:nvSpPr>
-          <p:cNvPr id="9" name="Slide Number Placeholder 8"/>
+          <p:cNvPr id="9" name="Slide Number Placeholder 8" hidden="1"/>
           <p:cNvSpPr>
             <a:spLocks noGrp="1"/>
           </p:cNvSpPr>
@@ -1934,10 +5382,10 @@
           <a:bodyPr/>
           <a:lstStyle/>
           <a:p>
-            <a:fld id="{04AF9177-8140-46E9-8058-94E92E8A0A51}" type="slidenum">
+            <a:r>
               <a:rPr lang="en-IN" smtClean="0"/>
-              <a:t>‹#›</a:t>
-            </a:fld>
+              <a:t> </a:t>
+            </a:r>
             <a:endParaRPr lang="en-IN"/>
           </a:p>
         </p:txBody>
@@ -1997,7 +5445,7 @@
       </p:sp>
       <p:sp>
         <p:nvSpPr>
-          <p:cNvPr id="3" name="Date Placeholder 2"/>
+          <p:cNvPr id="3" name="Date Placeholder 2" hidden="1"/>
           <p:cNvSpPr>
             <a:spLocks noGrp="1"/>
           </p:cNvSpPr>
@@ -2010,10 +5458,10 @@
           <a:bodyPr/>
           <a:lstStyle/>
           <a:p>
-            <a:fld id="{33FD142E-598B-4652-AD52-367E9887DAA9}" type="datetimeFigureOut">
+            <a:r>
               <a:rPr lang="en-IN" smtClean="0"/>
-              <a:t>02-05-2020</a:t>
-            </a:fld>
+              <a:t> </a:t>
+            </a:r>
             <a:endParaRPr lang="en-IN"/>
           </a:p>
         </p:txBody>
@@ -2039,7 +5487,7 @@
       </p:sp>
       <p:sp>
         <p:nvSpPr>
-          <p:cNvPr id="5" name="Slide Number Placeholder 4"/>
+          <p:cNvPr id="5" name="Slide Number Placeholder 4" hidden="1"/>
           <p:cNvSpPr>
             <a:spLocks noGrp="1"/>
           </p:cNvSpPr>
@@ -2052,10 +5500,10 @@
           <a:bodyPr/>
           <a:lstStyle/>
           <a:p>
-            <a:fld id="{04AF9177-8140-46E9-8058-94E92E8A0A51}" type="slidenum">
+            <a:r>
               <a:rPr lang="en-IN" smtClean="0"/>
-              <a:t>‹#›</a:t>
-            </a:fld>
+              <a:t> </a:t>
+            </a:r>
             <a:endParaRPr lang="en-IN"/>
           </a:p>
         </p:txBody>
@@ -2092,7 +5540,7 @@
       </p:grpSpPr>
       <p:sp>
         <p:nvSpPr>
-          <p:cNvPr id="2" name="Date Placeholder 1"/>
+          <p:cNvPr id="2" name="Date Placeholder 1" hidden="1"/>
           <p:cNvSpPr>
             <a:spLocks noGrp="1"/>
           </p:cNvSpPr>
@@ -2105,10 +5553,10 @@
           <a:bodyPr/>
           <a:lstStyle/>
           <a:p>
-            <a:fld id="{33FD142E-598B-4652-AD52-367E9887DAA9}" type="datetimeFigureOut">
+            <a:r>
               <a:rPr lang="en-IN" smtClean="0"/>
-              <a:t>02-05-2020</a:t>
-            </a:fld>
+              <a:t> </a:t>
+            </a:r>
             <a:endParaRPr lang="en-IN"/>
           </a:p>
         </p:txBody>
@@ -2134,7 +5582,7 @@
       </p:sp>
       <p:sp>
         <p:nvSpPr>
-          <p:cNvPr id="4" name="Slide Number Placeholder 3"/>
+          <p:cNvPr id="4" name="Slide Number Placeholder 3" hidden="1"/>
           <p:cNvSpPr>
             <a:spLocks noGrp="1"/>
           </p:cNvSpPr>
@@ -2147,10 +5595,10 @@
           <a:bodyPr/>
           <a:lstStyle/>
           <a:p>
-            <a:fld id="{04AF9177-8140-46E9-8058-94E92E8A0A51}" type="slidenum">
+            <a:r>
               <a:rPr lang="en-IN" smtClean="0"/>
-              <a:t>‹#›</a:t>
-            </a:fld>
+              <a:t> </a:t>
+            </a:r>
             <a:endParaRPr lang="en-IN"/>
           </a:p>
         </p:txBody>
@@ -2379,7 +5827,7 @@
       </p:sp>
       <p:sp>
         <p:nvSpPr>
-          <p:cNvPr id="5" name="Date Placeholder 4"/>
+          <p:cNvPr id="5" name="Date Placeholder 4" hidden="1"/>
           <p:cNvSpPr>
             <a:spLocks noGrp="1"/>
           </p:cNvSpPr>
@@ -2392,10 +5840,10 @@
           <a:bodyPr/>
           <a:lstStyle/>
           <a:p>
-            <a:fld id="{33FD142E-598B-4652-AD52-367E9887DAA9}" type="datetimeFigureOut">
+            <a:r>
               <a:rPr lang="en-IN" smtClean="0"/>
-              <a:t>02-05-2020</a:t>
-            </a:fld>
+              <a:t> </a:t>
+            </a:r>
             <a:endParaRPr lang="en-IN"/>
           </a:p>
         </p:txBody>
@@ -2421,7 +5869,7 @@
       </p:sp>
       <p:sp>
         <p:nvSpPr>
-          <p:cNvPr id="7" name="Slide Number Placeholder 6"/>
+          <p:cNvPr id="7" name="Slide Number Placeholder 6" hidden="1"/>
           <p:cNvSpPr>
             <a:spLocks noGrp="1"/>
           </p:cNvSpPr>
@@ -2434,10 +5882,10 @@
           <a:bodyPr/>
           <a:lstStyle/>
           <a:p>
-            <a:fld id="{04AF9177-8140-46E9-8058-94E92E8A0A51}" type="slidenum">
+            <a:r>
               <a:rPr lang="en-IN" smtClean="0"/>
-              <a:t>‹#›</a:t>
-            </a:fld>
+              <a:t> </a:t>
+            </a:r>
             <a:endParaRPr lang="en-IN"/>
           </a:p>
         </p:txBody>
@@ -2701,7 +6149,7 @@
       </p:sp>
       <p:sp>
         <p:nvSpPr>
-          <p:cNvPr id="5" name="Date Placeholder 4"/>
+          <p:cNvPr id="5" name="Date Placeholder 4" hidden="1"/>
           <p:cNvSpPr>
             <a:spLocks noGrp="1"/>
           </p:cNvSpPr>
@@ -2714,10 +6162,10 @@
           <a:bodyPr/>
           <a:lstStyle/>
           <a:p>
-            <a:fld id="{33FD142E-598B-4652-AD52-367E9887DAA9}" type="datetimeFigureOut">
+            <a:r>
               <a:rPr lang="en-IN" smtClean="0"/>
-              <a:t>02-05-2020</a:t>
-            </a:fld>
+              <a:t> </a:t>
+            </a:r>
             <a:endParaRPr lang="en-IN"/>
           </a:p>
         </p:txBody>
@@ -2743,7 +6191,7 @@
       </p:sp>
       <p:sp>
         <p:nvSpPr>
-          <p:cNvPr id="7" name="Slide Number Placeholder 6"/>
+          <p:cNvPr id="7" name="Slide Number Placeholder 6" hidden="1"/>
           <p:cNvSpPr>
             <a:spLocks noGrp="1"/>
           </p:cNvSpPr>
@@ -2756,10 +6204,10 @@
           <a:bodyPr/>
           <a:lstStyle/>
           <a:p>
-            <a:fld id="{04AF9177-8140-46E9-8058-94E92E8A0A51}" type="slidenum">
+            <a:r>
               <a:rPr lang="en-IN" smtClean="0"/>
-              <a:t>‹#›</a:t>
-            </a:fld>
+              <a:t> </a:t>
+            </a:r>
             <a:endParaRPr lang="en-IN"/>
           </a:p>
         </p:txBody>
@@ -2936,7 +6384,7 @@
       </p:sp>
       <p:sp>
         <p:nvSpPr>
-          <p:cNvPr id="4" name="Date Placeholder 3"/>
+          <p:cNvPr id="4" name="Date Placeholder 3" hidden="1"/>
           <p:cNvSpPr>
             <a:spLocks noGrp="1"/>
           </p:cNvSpPr>
@@ -2968,10 +6416,10 @@
             </a:lvl1pPr>
           </a:lstStyle>
           <a:p>
-            <a:fld id="{33FD142E-598B-4652-AD52-367E9887DAA9}" type="datetimeFigureOut">
+            <a:r>
               <a:rPr lang="en-IN" smtClean="0"/>
-              <a:t>02-05-2020</a:t>
-            </a:fld>
+              <a:t> </a:t>
+            </a:r>
             <a:endParaRPr lang="en-IN"/>
           </a:p>
         </p:txBody>
@@ -3016,7 +6464,7 @@
       </p:sp>
       <p:sp>
         <p:nvSpPr>
-          <p:cNvPr id="6" name="Slide Number Placeholder 5"/>
+          <p:cNvPr id="6" name="Slide Number Placeholder 5" hidden="1"/>
           <p:cNvSpPr>
             <a:spLocks noGrp="1"/>
           </p:cNvSpPr>
@@ -3050,10 +6498,10 @@
             </a:lvl1pPr>
           </a:lstStyle>
           <a:p>
-            <a:fld id="{04AF9177-8140-46E9-8058-94E92E8A0A51}" type="slidenum">
+            <a:r>
               <a:rPr lang="en-IN" smtClean="0"/>
-              <a:t>‹#›</a:t>
-            </a:fld>
+              <a:t> </a:t>
+            </a:r>
             <a:endParaRPr lang="en-IN"/>
           </a:p>
         </p:txBody>
@@ -3438,7 +6886,7 @@
       </a:lvl9pPr>
     </p:otherStyle>
   </p:txStyles>
-  <p:extLst>
+  <p:extLst mod="1">
     <p:ext uri="{27BBF7A9-308A-43DC-89C8-2F10F3537804}">
       <p15:sldGuideLst xmlns:p15="http://schemas.microsoft.com/office/powerpoint/2012/main"/>
     </p:ext>
@@ -3480,11 +6928,7 @@
           <a:p>
             <a:r>
               <a:rPr lang="en-US" dirty="0" smtClean="0"/>
-              <a:t>Decoding </a:t>
-            </a:r>
-            <a:r>
-              <a:rPr lang="en-US" dirty="0" smtClean="0"/>
-              <a:t>GXX</a:t>
+              <a:t>Decoding GXX</a:t>
             </a:r>
             <a:endParaRPr lang="en-IN" dirty="0"/>
           </a:p>
@@ -3534,6 +6978,87 @@
 </file>
 
 <file path=ppt/slides/slide2.xml><?xml version="1.0" encoding="utf-8"?>
+<p:sld xmlns:a="http://schemas.openxmlformats.org/drawingml/2006/main" xmlns:r="http://schemas.openxmlformats.org/officeDocument/2006/relationships" xmlns:p="http://schemas.openxmlformats.org/presentationml/2006/main">
+  <p:cSld>
+    <p:spTree>
+      <p:nvGrpSpPr>
+        <p:cNvPr id="1" name=""/>
+        <p:cNvGrpSpPr/>
+        <p:nvPr/>
+      </p:nvGrpSpPr>
+      <p:grpSpPr>
+        <a:xfrm>
+          <a:off x="0" y="0"/>
+          <a:ext cx="0" cy="0"/>
+          <a:chOff x="0" y="0"/>
+          <a:chExt cx="0" cy="0"/>
+        </a:xfrm>
+      </p:grpSpPr>
+      <p:sp>
+        <p:nvSpPr>
+          <p:cNvPr id="2" name="Title 1"/>
+          <p:cNvSpPr>
+            <a:spLocks noGrp="1"/>
+          </p:cNvSpPr>
+          <p:nvPr>
+            <p:ph type="title"/>
+          </p:nvPr>
+        </p:nvSpPr>
+        <p:spPr/>
+        <p:txBody>
+          <a:bodyPr/>
+          <a:lstStyle/>
+          <a:p>
+            <a:r>
+              <a:rPr lang="en-US" dirty="0" smtClean="0"/>
+              <a:t>Illustrious History</a:t>
+            </a:r>
+            <a:endParaRPr lang="en-IN" dirty="0"/>
+          </a:p>
+        </p:txBody>
+      </p:sp>
+      <p:graphicFrame>
+        <p:nvGraphicFramePr>
+          <p:cNvPr id="6" name="Content Placeholder 5"/>
+          <p:cNvGraphicFramePr>
+            <a:graphicFrameLocks noGrp="1"/>
+          </p:cNvGraphicFramePr>
+          <p:nvPr>
+            <p:ph idx="1"/>
+            <p:extLst/>
+          </p:nvPr>
+        </p:nvGraphicFramePr>
+        <p:xfrm>
+          <a:off x="1262063" y="1828800"/>
+          <a:ext cx="9262681" cy="4351338"/>
+        </p:xfrm>
+        <a:graphic>
+          <a:graphicData uri="http://schemas.openxmlformats.org/drawingml/2006/diagram">
+            <dgm:relIds xmlns:dgm="http://schemas.openxmlformats.org/drawingml/2006/diagram" xmlns:r="http://schemas.openxmlformats.org/officeDocument/2006/relationships" r:dm="rId2" r:lo="rId3" r:qs="rId4" r:cs="rId5"/>
+          </a:graphicData>
+        </a:graphic>
+      </p:graphicFrame>
+    </p:spTree>
+    <p:extLst>
+      <p:ext uri="{BB962C8B-B14F-4D97-AF65-F5344CB8AC3E}">
+        <p14:creationId xmlns:p14="http://schemas.microsoft.com/office/powerpoint/2010/main" val="2822046053"/>
+      </p:ext>
+    </p:extLst>
+  </p:cSld>
+  <p:clrMapOvr>
+    <a:masterClrMapping/>
+  </p:clrMapOvr>
+  <p:timing>
+    <p:tnLst>
+      <p:par>
+        <p:cTn id="1" dur="indefinite" restart="never" nodeType="tmRoot"/>
+      </p:par>
+    </p:tnLst>
+  </p:timing>
+</p:sld>
+</file>
+
+<file path=ppt/slides/slide3.xml><?xml version="1.0" encoding="utf-8"?>
 <p:sld xmlns:a="http://schemas.openxmlformats.org/drawingml/2006/main" xmlns:r="http://schemas.openxmlformats.org/officeDocument/2006/relationships" xmlns:p="http://schemas.openxmlformats.org/presentationml/2006/main">
   <p:cSld>
     <p:spTree>
@@ -4261,7 +7786,7 @@
 </p:sld>
 </file>
 
-<file path=ppt/slides/slide3.xml><?xml version="1.0" encoding="utf-8"?>
+<file path=ppt/slides/slide4.xml><?xml version="1.0" encoding="utf-8"?>
 <p:sld xmlns:a="http://schemas.openxmlformats.org/drawingml/2006/main" xmlns:r="http://schemas.openxmlformats.org/officeDocument/2006/relationships" xmlns:p="http://schemas.openxmlformats.org/presentationml/2006/main">
   <p:cSld>
     <p:spTree>
